--- a/#3 Implementation & Data Collection/Implementation & Data Collection ppt.pptx
+++ b/#3 Implementation & Data Collection/Implementation & Data Collection ppt.pptx
@@ -5,28 +5,30 @@
     <p:sldMasterId id="2147483648" r:id="rId1"/>
   </p:sldMasterIdLst>
   <p:notesMasterIdLst>
-    <p:notesMasterId r:id="rId8"/>
+    <p:notesMasterId r:id="rId10"/>
   </p:notesMasterIdLst>
   <p:sldIdLst>
     <p:sldId id="266" r:id="rId2"/>
     <p:sldId id="289" r:id="rId3"/>
     <p:sldId id="295" r:id="rId4"/>
-    <p:sldId id="293" r:id="rId5"/>
-    <p:sldId id="296" r:id="rId6"/>
-    <p:sldId id="276" r:id="rId7"/>
+    <p:sldId id="297" r:id="rId5"/>
+    <p:sldId id="298" r:id="rId6"/>
+    <p:sldId id="293" r:id="rId7"/>
+    <p:sldId id="296" r:id="rId8"/>
+    <p:sldId id="276" r:id="rId9"/>
   </p:sldIdLst>
   <p:sldSz cx="9144000" cy="6858000" type="screen4x3"/>
   <p:notesSz cx="6858000" cy="9144000"/>
   <p:embeddedFontLst>
     <p:embeddedFont>
       <p:font typeface="Ebrima" panose="02000000000000000000" pitchFamily="2" charset="0"/>
-      <p:regular r:id="rId9"/>
-      <p:bold r:id="rId10"/>
+      <p:regular r:id="rId11"/>
+      <p:bold r:id="rId12"/>
     </p:embeddedFont>
     <p:embeddedFont>
       <p:font typeface="맑은 고딕" panose="020B0503020000020004" pitchFamily="50" charset="-127"/>
-      <p:regular r:id="rId11"/>
-      <p:bold r:id="rId12"/>
+      <p:regular r:id="rId13"/>
+      <p:bold r:id="rId14"/>
     </p:embeddedFont>
   </p:embeddedFontLst>
   <p:defaultTextStyle>
@@ -145,7 +147,7 @@
 
 <file path=ppt/commentAuthors.xml><?xml version="1.0" encoding="utf-8"?>
 <p:cmAuthorLst xmlns:a="http://schemas.openxmlformats.org/drawingml/2006/main" xmlns:r="http://schemas.openxmlformats.org/officeDocument/2006/relationships" xmlns:p="http://schemas.openxmlformats.org/presentationml/2006/main">
-  <p:cmAuthor id="1" name="Michael" initials="M" lastIdx="4" clrIdx="0">
+  <p:cmAuthor id="1" name="Michael" initials="M" lastIdx="5" clrIdx="0">
     <p:extLst>
       <p:ext uri="{19B8F6BF-5375-455C-9EA6-DF929625EA0E}">
         <p15:presenceInfo xmlns:p15="http://schemas.microsoft.com/office/powerpoint/2012/main" userId="Michael" providerId="None"/>
@@ -153,6 +155,20 @@
     </p:extLst>
   </p:cmAuthor>
 </p:cmAuthorLst>
+</file>
+
+<file path=ppt/comments/comment1.xml><?xml version="1.0" encoding="utf-8"?>
+<p:cmLst xmlns:a="http://schemas.openxmlformats.org/drawingml/2006/main" xmlns:r="http://schemas.openxmlformats.org/officeDocument/2006/relationships" xmlns:p="http://schemas.openxmlformats.org/presentationml/2006/main">
+  <p:cm authorId="1" dt="2018-10-18T00:52:37.419" idx="5">
+    <p:pos x="3271" y="2775"/>
+    <p:text>슬라이드 노트도 참고 부탁 드립니다!</p:text>
+    <p:extLst>
+      <p:ext uri="{C676402C-5697-4E1C-873F-D02D1690AC5C}">
+        <p15:threadingInfo xmlns:p15="http://schemas.microsoft.com/office/powerpoint/2012/main" timeZoneBias="-540"/>
+      </p:ext>
+    </p:extLst>
+  </p:cm>
+</p:cmLst>
 </file>
 
 <file path=ppt/notesMasters/notesMaster1.xml><?xml version="1.0" encoding="utf-8"?>
@@ -237,7 +253,7 @@
           <a:p>
             <a:fld id="{BE0E05F9-B2CA-439B-8EFD-90F64485631B}" type="datetimeFigureOut">
               <a:rPr lang="ko-KR" altLang="en-US" smtClean="0"/>
-              <a:t>2018-10-10</a:t>
+              <a:t>2018-10-18</a:t>
             </a:fld>
             <a:endParaRPr lang="ko-KR" altLang="en-US"/>
           </a:p>
@@ -632,7 +648,188 @@
           <a:bodyPr/>
           <a:lstStyle/>
           <a:p>
+            <a:r>
+              <a:rPr lang="ko-KR" altLang="en-US" dirty="0"/>
+              <a:t>목차</a:t>
+            </a:r>
+            <a:r>
+              <a:rPr lang="en-US" altLang="ko-KR" dirty="0"/>
+              <a:t>:</a:t>
+            </a:r>
+          </a:p>
+          <a:p>
+            <a:r>
+              <a:rPr lang="en-US" altLang="ko-KR" dirty="0"/>
+              <a:t>1. </a:t>
+            </a:r>
+            <a:r>
+              <a:rPr lang="ko-KR" altLang="en-US" dirty="0"/>
+              <a:t>데이터 수집 방법에 대해 설명</a:t>
+            </a:r>
+            <a:r>
+              <a:rPr lang="en-US" altLang="ko-KR" dirty="0"/>
+              <a:t>.</a:t>
+            </a:r>
+          </a:p>
+          <a:p>
+            <a:r>
+              <a:rPr lang="en-US" altLang="ko-KR" dirty="0"/>
+              <a:t>2. UML Diagram</a:t>
+            </a:r>
+            <a:r>
+              <a:rPr lang="ko-KR" altLang="en-US" dirty="0"/>
+              <a:t>은 준비 못함</a:t>
+            </a:r>
+            <a:r>
+              <a:rPr lang="en-US" altLang="ko-KR" dirty="0"/>
+              <a:t>. </a:t>
+            </a:r>
+            <a:r>
+              <a:rPr lang="ko-KR" altLang="en-US" dirty="0"/>
+              <a:t>이유</a:t>
+            </a:r>
+            <a:r>
+              <a:rPr lang="en-US" altLang="ko-KR" dirty="0"/>
+              <a:t>: </a:t>
+            </a:r>
+            <a:r>
+              <a:rPr lang="en-US" altLang="ko-KR" dirty="0" err="1"/>
+              <a:t>Javafx</a:t>
+            </a:r>
+            <a:r>
+              <a:rPr lang="ko-KR" altLang="en-US" dirty="0"/>
+              <a:t> </a:t>
+            </a:r>
+            <a:r>
+              <a:rPr lang="en-US" altLang="ko-KR" dirty="0"/>
+              <a:t>–</a:t>
+            </a:r>
+            <a:r>
+              <a:rPr lang="ko-KR" altLang="en-US" dirty="0"/>
+              <a:t> </a:t>
+            </a:r>
+            <a:r>
+              <a:rPr lang="en-US" altLang="ko-KR" dirty="0" err="1"/>
+              <a:t>scenebuilder</a:t>
+            </a:r>
+            <a:r>
+              <a:rPr lang="ko-KR" altLang="en-US" dirty="0"/>
+              <a:t>를 이용하면 자동으로 생성되는 </a:t>
+            </a:r>
+            <a:r>
+              <a:rPr lang="en-US" altLang="ko-KR" dirty="0" err="1"/>
+              <a:t>javafxmlcontroller</a:t>
+            </a:r>
+            <a:r>
+              <a:rPr lang="en-US" altLang="ko-KR" dirty="0"/>
+              <a:t> Class</a:t>
+            </a:r>
+            <a:r>
+              <a:rPr lang="ko-KR" altLang="en-US" dirty="0"/>
+              <a:t>가 </a:t>
+            </a:r>
+            <a:r>
+              <a:rPr lang="en-US" altLang="ko-KR" dirty="0"/>
+              <a:t>easy-UML</a:t>
+            </a:r>
+            <a:r>
+              <a:rPr lang="ko-KR" altLang="en-US" dirty="0"/>
+              <a:t>로 추출이 되질 않음</a:t>
+            </a:r>
+            <a:r>
+              <a:rPr lang="en-US" altLang="ko-KR" dirty="0"/>
+              <a:t>.</a:t>
+            </a:r>
+          </a:p>
+          <a:p>
+            <a:r>
+              <a:rPr lang="en-US" altLang="ko-KR" dirty="0"/>
+              <a:t>3. </a:t>
+            </a:r>
+            <a:r>
+              <a:rPr lang="ko-KR" altLang="en-US" dirty="0"/>
+              <a:t>대신 </a:t>
+            </a:r>
+            <a:r>
+              <a:rPr lang="en-US" altLang="ko-KR" dirty="0" err="1"/>
+              <a:t>javafxmlcontroller</a:t>
+            </a:r>
+            <a:r>
+              <a:rPr lang="en-US" altLang="ko-KR" dirty="0"/>
+              <a:t> Class</a:t>
+            </a:r>
+            <a:r>
+              <a:rPr lang="ko-KR" altLang="en-US" dirty="0"/>
+              <a:t>가 이번 프로젝트에서 가장 중요함으로 코드 설명</a:t>
+            </a:r>
+            <a:r>
+              <a:rPr lang="en-US" altLang="ko-KR" dirty="0"/>
+              <a:t>(</a:t>
+            </a:r>
+            <a:r>
+              <a:rPr lang="ko-KR" altLang="en-US" dirty="0"/>
+              <a:t>주요 함수</a:t>
+            </a:r>
+            <a:r>
+              <a:rPr lang="en-US" altLang="ko-KR" dirty="0"/>
+              <a:t>, </a:t>
+            </a:r>
+            <a:r>
+              <a:rPr lang="ko-KR" altLang="en-US" dirty="0"/>
+              <a:t>알고리즘</a:t>
+            </a:r>
+            <a:r>
+              <a:rPr lang="en-US" altLang="ko-KR" dirty="0"/>
+              <a:t>) </a:t>
+            </a:r>
+            <a:r>
+              <a:rPr lang="ko-KR" altLang="en-US" dirty="0"/>
+              <a:t>예정</a:t>
+            </a:r>
+            <a:r>
+              <a:rPr lang="en-US" altLang="ko-KR" dirty="0"/>
+              <a:t>.</a:t>
+            </a:r>
+          </a:p>
+          <a:p>
+            <a:r>
+              <a:rPr lang="en-US" altLang="ko-KR" dirty="0"/>
+              <a:t>4. </a:t>
+            </a:r>
+            <a:r>
+              <a:rPr lang="ko-KR" altLang="en-US" dirty="0"/>
+              <a:t>현재까지 진행 상황</a:t>
+            </a:r>
             <a:endParaRPr lang="en-US" altLang="ko-KR" dirty="0"/>
+          </a:p>
+          <a:p>
+            <a:r>
+              <a:rPr lang="en-US" altLang="ko-KR" dirty="0"/>
+              <a:t>5. </a:t>
+            </a:r>
+            <a:r>
+              <a:rPr lang="ko-KR" altLang="en-US" dirty="0"/>
+              <a:t>변경된 계획</a:t>
+            </a:r>
+            <a:r>
+              <a:rPr lang="en-US" altLang="ko-KR" dirty="0"/>
+              <a:t>, </a:t>
+            </a:r>
+            <a:r>
+              <a:rPr lang="ko-KR" altLang="en-US" dirty="0" err="1"/>
+              <a:t>해야될</a:t>
+            </a:r>
+            <a:r>
+              <a:rPr lang="ko-KR" altLang="en-US" dirty="0"/>
+              <a:t> 것 리스트</a:t>
+            </a:r>
+            <a:endParaRPr lang="en-US" altLang="ko-KR" dirty="0"/>
+          </a:p>
+          <a:p>
+            <a:r>
+              <a:rPr lang="en-US" altLang="ko-KR" dirty="0"/>
+              <a:t>6. Q&amp;A</a:t>
+            </a:r>
           </a:p>
         </p:txBody>
       </p:sp>
@@ -716,7 +913,209 @@
           <a:bodyPr/>
           <a:lstStyle/>
           <a:p>
+            <a:r>
+              <a:rPr lang="ko-KR" altLang="en-US" dirty="0"/>
+              <a:t>원래 두개였던 엑셀 파일</a:t>
+            </a:r>
+            <a:r>
+              <a:rPr lang="en-US" altLang="ko-KR" dirty="0"/>
+              <a:t>(</a:t>
+            </a:r>
+            <a:r>
+              <a:rPr lang="ko-KR" altLang="en-US" dirty="0"/>
+              <a:t>하나는 지도</a:t>
+            </a:r>
+            <a:r>
+              <a:rPr lang="en-US" altLang="ko-KR" dirty="0"/>
+              <a:t>(</a:t>
+            </a:r>
+            <a:r>
+              <a:rPr lang="ko-KR" altLang="en-US" dirty="0"/>
+              <a:t>모든 교차로와 도로 길이 저장</a:t>
+            </a:r>
+            <a:r>
+              <a:rPr lang="en-US" altLang="ko-KR" dirty="0"/>
+              <a:t>)</a:t>
+            </a:r>
+            <a:r>
+              <a:rPr lang="ko-KR" altLang="en-US" dirty="0"/>
+              <a:t>와 하나는 행진 정보 파일</a:t>
+            </a:r>
+            <a:r>
+              <a:rPr lang="en-US" altLang="ko-KR" dirty="0"/>
+              <a:t>)</a:t>
+            </a:r>
+            <a:r>
+              <a:rPr lang="ko-KR" altLang="en-US" dirty="0"/>
+              <a:t>을 하나의 파일로 합쳐서 시트로 구분</a:t>
+            </a:r>
+            <a:r>
+              <a:rPr lang="en-US" altLang="ko-KR" dirty="0"/>
+              <a:t>(</a:t>
+            </a:r>
+            <a:r>
+              <a:rPr lang="ko-KR" altLang="en-US" dirty="0"/>
+              <a:t>시트</a:t>
+            </a:r>
+            <a:r>
+              <a:rPr lang="en-US" altLang="ko-KR" dirty="0"/>
+              <a:t>1 – </a:t>
+            </a:r>
+            <a:r>
+              <a:rPr lang="ko-KR" altLang="en-US" dirty="0"/>
+              <a:t>지도</a:t>
+            </a:r>
+            <a:r>
+              <a:rPr lang="en-US" altLang="ko-KR" dirty="0"/>
+              <a:t>, </a:t>
+            </a:r>
+            <a:r>
+              <a:rPr lang="ko-KR" altLang="en-US" dirty="0"/>
+              <a:t>시트</a:t>
+            </a:r>
+            <a:r>
+              <a:rPr lang="en-US" altLang="ko-KR" dirty="0"/>
+              <a:t>2 - </a:t>
+            </a:r>
+            <a:r>
+              <a:rPr lang="ko-KR" altLang="en-US" dirty="0"/>
+              <a:t>행진정보</a:t>
+            </a:r>
+            <a:r>
+              <a:rPr lang="en-US" altLang="ko-KR" dirty="0"/>
+              <a:t>).</a:t>
+            </a:r>
+          </a:p>
+          <a:p>
+            <a:r>
+              <a:rPr lang="ko-KR" altLang="en-US" dirty="0"/>
+              <a:t>원래 서울지방경찰청 </a:t>
+            </a:r>
+            <a:r>
+              <a:rPr lang="en-US" altLang="ko-KR" dirty="0"/>
+              <a:t>‘</a:t>
+            </a:r>
+            <a:r>
+              <a:rPr lang="ko-KR" altLang="en-US" dirty="0"/>
+              <a:t>오늘의 집회 시위</a:t>
+            </a:r>
+            <a:r>
+              <a:rPr lang="en-US" altLang="ko-KR" dirty="0"/>
+              <a:t>‘ </a:t>
+            </a:r>
+            <a:r>
+              <a:rPr lang="ko-KR" altLang="en-US" dirty="0"/>
+              <a:t>게시판에 올라오는 자료를 바탕으로 하려했지만 항상 행진 정보가 같은 형식으로 올라오는게 </a:t>
+            </a:r>
+            <a:r>
+              <a:rPr lang="ko-KR" altLang="en-US" dirty="0" err="1"/>
+              <a:t>아닌것으로</a:t>
+            </a:r>
+            <a:r>
+              <a:rPr lang="ko-KR" altLang="en-US" dirty="0"/>
+              <a:t> 판단되어</a:t>
+            </a:r>
+            <a:r>
+              <a:rPr lang="en-US" altLang="ko-KR" dirty="0"/>
+              <a:t>(</a:t>
+            </a:r>
+            <a:r>
+              <a:rPr lang="ko-KR" altLang="en-US" dirty="0"/>
+              <a:t>담당자 인사이동</a:t>
+            </a:r>
+            <a:r>
+              <a:rPr lang="en-US" altLang="ko-KR" dirty="0"/>
+              <a:t>, </a:t>
+            </a:r>
+            <a:r>
+              <a:rPr lang="ko-KR" altLang="en-US" dirty="0"/>
+              <a:t>교대 근무 예상</a:t>
+            </a:r>
+            <a:r>
+              <a:rPr lang="en-US" altLang="ko-KR" dirty="0"/>
+              <a:t>)</a:t>
+            </a:r>
+          </a:p>
+          <a:p>
+            <a:r>
+              <a:rPr lang="en-US" altLang="ko-KR" dirty="0"/>
+              <a:t>‘</a:t>
+            </a:r>
+            <a:r>
+              <a:rPr lang="ko-KR" altLang="en-US" dirty="0"/>
+              <a:t>종합교통정보센터</a:t>
+            </a:r>
+            <a:r>
+              <a:rPr lang="en-US" altLang="ko-KR" dirty="0"/>
+              <a:t>’ </a:t>
+            </a:r>
+            <a:r>
+              <a:rPr lang="ko-KR" altLang="en-US" dirty="0"/>
+              <a:t>및 기타 출처를 이용하여 완전한 원하는 날짜의 행진 정보를 얻을 수 있음</a:t>
+            </a:r>
+            <a:r>
+              <a:rPr lang="en-US" altLang="ko-KR" dirty="0"/>
+              <a:t>.</a:t>
+            </a:r>
+          </a:p>
+          <a:p>
+            <a:r>
+              <a:rPr lang="ko-KR" altLang="en-US" dirty="0"/>
+              <a:t>한번에 </a:t>
+            </a:r>
+            <a:r>
+              <a:rPr lang="en-US" altLang="ko-KR" dirty="0"/>
+              <a:t>‘</a:t>
+            </a:r>
+            <a:r>
+              <a:rPr lang="ko-KR" altLang="en-US" dirty="0"/>
+              <a:t>오늘의 집회 시위</a:t>
+            </a:r>
+            <a:r>
+              <a:rPr lang="en-US" altLang="ko-KR" dirty="0"/>
+              <a:t>’</a:t>
+            </a:r>
+            <a:r>
+              <a:rPr lang="ko-KR" altLang="en-US" dirty="0"/>
+              <a:t>에서 얻을 수 있으면 상관없지만 만약 얻지 </a:t>
+            </a:r>
+            <a:r>
+              <a:rPr lang="ko-KR" altLang="en-US" dirty="0" err="1"/>
+              <a:t>못할시</a:t>
+            </a:r>
+            <a:r>
+              <a:rPr lang="ko-KR" altLang="en-US" dirty="0"/>
+              <a:t> 세 출처를 모두 사용해서 사용자가 직접 정보 추출 및 엑셀 파일에 입력</a:t>
+            </a:r>
+            <a:r>
+              <a:rPr lang="en-US" altLang="ko-KR" dirty="0"/>
+              <a:t>.</a:t>
+            </a:r>
+          </a:p>
+          <a:p>
             <a:endParaRPr lang="en-US" altLang="ko-KR" dirty="0"/>
+          </a:p>
+          <a:p>
+            <a:r>
+              <a:rPr lang="en-US" altLang="ko-KR" dirty="0"/>
+              <a:t>Implementation + Testing </a:t>
+            </a:r>
+            <a:r>
+              <a:rPr lang="ko-KR" altLang="en-US" dirty="0"/>
+              <a:t>에서 진행되는 행진 정보는 세 출처를 모두 이용하여 종합한 정보</a:t>
+            </a:r>
+            <a:r>
+              <a:rPr lang="en-US" altLang="ko-KR" dirty="0"/>
+              <a:t>(</a:t>
+            </a:r>
+            <a:r>
+              <a:rPr lang="ko-KR" altLang="en-US" dirty="0"/>
+              <a:t>슬라이드의 주소가 해당 정보 출처</a:t>
+            </a:r>
+            <a:r>
+              <a:rPr lang="en-US" altLang="ko-KR" dirty="0"/>
+              <a:t>)</a:t>
+            </a:r>
           </a:p>
         </p:txBody>
       </p:sp>
@@ -800,7 +1199,26 @@
           <a:bodyPr/>
           <a:lstStyle/>
           <a:p>
-            <a:endParaRPr lang="en-US" altLang="ko-KR" dirty="0"/>
+            <a:r>
+              <a:rPr lang="ko-KR" altLang="en-US" dirty="0"/>
+              <a:t>프로젝트에서 가장 중요한 </a:t>
+            </a:r>
+            <a:r>
+              <a:rPr lang="en-US" altLang="ko-KR" dirty="0" err="1"/>
+              <a:t>ViewController</a:t>
+            </a:r>
+            <a:r>
+              <a:rPr lang="en-US" altLang="ko-KR" dirty="0"/>
+              <a:t> Class</a:t>
+            </a:r>
+            <a:r>
+              <a:rPr lang="ko-KR" altLang="en-US" dirty="0"/>
+              <a:t>의 멤버 변수와 주요 함수들에 대해 설명</a:t>
+            </a:r>
+            <a:r>
+              <a:rPr lang="en-US" altLang="ko-KR" dirty="0"/>
+              <a:t>.</a:t>
+            </a:r>
           </a:p>
         </p:txBody>
       </p:sp>
@@ -830,7 +1248,7 @@
     </p:spTree>
     <p:extLst>
       <p:ext uri="{BB962C8B-B14F-4D97-AF65-F5344CB8AC3E}">
-        <p14:creationId xmlns:p14="http://schemas.microsoft.com/office/powerpoint/2010/main" val="1591795459"/>
+        <p14:creationId xmlns:p14="http://schemas.microsoft.com/office/powerpoint/2010/main" val="2990541946"/>
       </p:ext>
     </p:extLst>
   </p:cSld>
@@ -884,7 +1302,202 @@
           <a:bodyPr/>
           <a:lstStyle/>
           <a:p>
+            <a:r>
+              <a:rPr lang="ko-KR" altLang="en-US" dirty="0"/>
+              <a:t>행진정보가 담겨진 </a:t>
+            </a:r>
+            <a:r>
+              <a:rPr lang="en-US" altLang="ko-KR" dirty="0" err="1"/>
+              <a:t>ParadeInfo</a:t>
+            </a:r>
+            <a:r>
+              <a:rPr lang="en-US" altLang="ko-KR" dirty="0"/>
+              <a:t> Class </a:t>
+            </a:r>
+            <a:r>
+              <a:rPr lang="ko-KR" altLang="en-US" dirty="0"/>
+              <a:t>멤버 변수 소개</a:t>
+            </a:r>
+            <a:r>
+              <a:rPr lang="en-US" altLang="ko-KR" dirty="0"/>
+              <a:t>.</a:t>
+            </a:r>
+          </a:p>
+          <a:p>
+            <a:r>
+              <a:rPr lang="ko-KR" altLang="en-US" dirty="0"/>
+              <a:t>전체 </a:t>
+            </a:r>
+            <a:r>
+              <a:rPr lang="en-US" altLang="ko-KR" dirty="0"/>
+              <a:t>Class </a:t>
+            </a:r>
+            <a:r>
+              <a:rPr lang="ko-KR" altLang="en-US" dirty="0"/>
+              <a:t>목록 아래와 같이 간략히 설명</a:t>
+            </a:r>
+            <a:r>
+              <a:rPr lang="en-US" altLang="ko-KR" dirty="0"/>
+              <a:t>(</a:t>
+            </a:r>
+            <a:r>
+              <a:rPr lang="ko-KR" altLang="en-US" dirty="0"/>
+              <a:t>목적</a:t>
+            </a:r>
+            <a:r>
+              <a:rPr lang="en-US" altLang="ko-KR" dirty="0"/>
+              <a:t>).</a:t>
+            </a:r>
+          </a:p>
+          <a:p>
             <a:endParaRPr lang="en-US" altLang="ko-KR" dirty="0"/>
+          </a:p>
+          <a:p>
+            <a:r>
+              <a:rPr lang="en-US" altLang="ko-KR" dirty="0" err="1"/>
+              <a:t>ExcelRead</a:t>
+            </a:r>
+            <a:r>
+              <a:rPr lang="en-US" altLang="ko-KR" dirty="0"/>
+              <a:t> – </a:t>
+            </a:r>
+            <a:r>
+              <a:rPr lang="ko-KR" altLang="en-US" dirty="0"/>
+              <a:t>데이터를 </a:t>
+            </a:r>
+            <a:r>
+              <a:rPr lang="ko-KR" altLang="en-US" dirty="0" err="1"/>
+              <a:t>입력받아서</a:t>
+            </a:r>
+            <a:r>
+              <a:rPr lang="ko-KR" altLang="en-US" dirty="0"/>
+              <a:t> 각 </a:t>
+            </a:r>
+            <a:r>
+              <a:rPr lang="en-US" altLang="ko-KR" dirty="0" err="1"/>
+              <a:t>ParadeInfo</a:t>
+            </a:r>
+            <a:r>
+              <a:rPr lang="ko-KR" altLang="en-US" dirty="0"/>
+              <a:t>로 저장</a:t>
+            </a:r>
+            <a:endParaRPr lang="en-US" altLang="ko-KR" dirty="0"/>
+          </a:p>
+          <a:p>
+            <a:r>
+              <a:rPr lang="en-US" altLang="ko-KR" dirty="0" err="1"/>
+              <a:t>ParadeInfo</a:t>
+            </a:r>
+            <a:r>
+              <a:rPr lang="en-US" altLang="ko-KR" dirty="0"/>
+              <a:t> – </a:t>
+            </a:r>
+            <a:r>
+              <a:rPr lang="ko-KR" altLang="en-US" dirty="0"/>
+              <a:t>행진 정보를 담고 있는 </a:t>
+            </a:r>
+            <a:r>
+              <a:rPr lang="en-US" altLang="ko-KR" dirty="0"/>
+              <a:t>Class.</a:t>
+            </a:r>
+          </a:p>
+          <a:p>
+            <a:r>
+              <a:rPr lang="en-US" altLang="ko-KR" dirty="0" err="1"/>
+              <a:t>ViewController</a:t>
+            </a:r>
+            <a:r>
+              <a:rPr lang="en-US" altLang="ko-KR" dirty="0"/>
+              <a:t> – </a:t>
+            </a:r>
+            <a:r>
+              <a:rPr lang="en-US" altLang="ko-KR" dirty="0" err="1"/>
+              <a:t>ExcelRead</a:t>
+            </a:r>
+            <a:r>
+              <a:rPr lang="ko-KR" altLang="en-US" dirty="0"/>
+              <a:t>에서 </a:t>
+            </a:r>
+            <a:r>
+              <a:rPr lang="ko-KR" altLang="en-US" dirty="0" err="1"/>
+              <a:t>입력받은</a:t>
+            </a:r>
+            <a:r>
+              <a:rPr lang="ko-KR" altLang="en-US" dirty="0"/>
+              <a:t> </a:t>
+            </a:r>
+            <a:r>
+              <a:rPr lang="en-US" altLang="ko-KR" dirty="0" err="1"/>
+              <a:t>ParadeInfo</a:t>
+            </a:r>
+            <a:r>
+              <a:rPr lang="en-US" altLang="ko-KR" dirty="0"/>
+              <a:t> </a:t>
+            </a:r>
+            <a:r>
+              <a:rPr lang="ko-KR" altLang="en-US" dirty="0"/>
+              <a:t>정보를 </a:t>
+            </a:r>
+            <a:r>
+              <a:rPr lang="en-US" altLang="ko-KR" dirty="0"/>
+              <a:t>Map </a:t>
+            </a:r>
+            <a:r>
+              <a:rPr lang="ko-KR" altLang="en-US" dirty="0"/>
+              <a:t>자료구조를 이용한 멤버 변수에 저장</a:t>
+            </a:r>
+            <a:endParaRPr lang="en-US" altLang="ko-KR" dirty="0"/>
+          </a:p>
+          <a:p>
+            <a:r>
+              <a:rPr lang="en-US" altLang="ko-KR" dirty="0" err="1"/>
+              <a:t>ParadeRouteDynamicGraph</a:t>
+            </a:r>
+            <a:r>
+              <a:rPr lang="en-US" altLang="ko-KR" dirty="0"/>
+              <a:t> – Application Class. </a:t>
+            </a:r>
+            <a:r>
+              <a:rPr lang="en-US" altLang="ko-KR" dirty="0" err="1"/>
+              <a:t>ExcelRead</a:t>
+            </a:r>
+            <a:r>
+              <a:rPr lang="ko-KR" altLang="en-US" dirty="0"/>
+              <a:t>와 </a:t>
+            </a:r>
+            <a:r>
+              <a:rPr lang="en-US" altLang="ko-KR" dirty="0" err="1"/>
+              <a:t>ViewController</a:t>
+            </a:r>
+            <a:r>
+              <a:rPr lang="ko-KR" altLang="en-US" dirty="0"/>
+              <a:t>를 인스턴스</a:t>
+            </a:r>
+            <a:r>
+              <a:rPr lang="en-US" altLang="ko-KR" dirty="0"/>
+              <a:t>.</a:t>
+            </a:r>
+          </a:p>
+          <a:p>
+            <a:r>
+              <a:rPr lang="ko-KR" altLang="en-US" dirty="0"/>
+              <a:t> </a:t>
+            </a:r>
+            <a:endParaRPr lang="en-US" altLang="ko-KR" dirty="0"/>
+          </a:p>
+          <a:p>
+            <a:r>
+              <a:rPr lang="en-US" altLang="ko-KR" dirty="0"/>
+              <a:t>Program Flow, </a:t>
+            </a:r>
+            <a:r>
+              <a:rPr lang="ko-KR" altLang="en-US" dirty="0"/>
+              <a:t>즉 프로그램이 어떻게 돌아가는지 위와 같이 설명</a:t>
+            </a:r>
+            <a:r>
+              <a:rPr lang="en-US" altLang="ko-KR" dirty="0"/>
+              <a:t>.</a:t>
+            </a:r>
           </a:p>
         </p:txBody>
       </p:sp>
@@ -906,6 +1519,1251 @@
             <a:fld id="{0DC1DE66-3386-48AC-A7D3-217B93C56141}" type="slidenum">
               <a:rPr lang="ko-KR" altLang="en-US" smtClean="0"/>
               <a:t>5</a:t>
+            </a:fld>
+            <a:endParaRPr lang="ko-KR" altLang="en-US"/>
+          </a:p>
+        </p:txBody>
+      </p:sp>
+    </p:spTree>
+    <p:extLst>
+      <p:ext uri="{BB962C8B-B14F-4D97-AF65-F5344CB8AC3E}">
+        <p14:creationId xmlns:p14="http://schemas.microsoft.com/office/powerpoint/2010/main" val="267553543"/>
+      </p:ext>
+    </p:extLst>
+  </p:cSld>
+  <p:clrMapOvr>
+    <a:masterClrMapping/>
+  </p:clrMapOvr>
+</p:notes>
+</file>
+
+<file path=ppt/notesSlides/notesSlide6.xml><?xml version="1.0" encoding="utf-8"?>
+<p:notes xmlns:a="http://schemas.openxmlformats.org/drawingml/2006/main" xmlns:r="http://schemas.openxmlformats.org/officeDocument/2006/relationships" xmlns:p="http://schemas.openxmlformats.org/presentationml/2006/main">
+  <p:cSld>
+    <p:spTree>
+      <p:nvGrpSpPr>
+        <p:cNvPr id="1" name=""/>
+        <p:cNvGrpSpPr/>
+        <p:nvPr/>
+      </p:nvGrpSpPr>
+      <p:grpSpPr>
+        <a:xfrm>
+          <a:off x="0" y="0"/>
+          <a:ext cx="0" cy="0"/>
+          <a:chOff x="0" y="0"/>
+          <a:chExt cx="0" cy="0"/>
+        </a:xfrm>
+      </p:grpSpPr>
+      <p:sp>
+        <p:nvSpPr>
+          <p:cNvPr id="2" name="슬라이드 이미지 개체 틀 1"/>
+          <p:cNvSpPr>
+            <a:spLocks noGrp="1" noRot="1" noChangeAspect="1"/>
+          </p:cNvSpPr>
+          <p:nvPr>
+            <p:ph type="sldImg"/>
+          </p:nvPr>
+        </p:nvSpPr>
+        <p:spPr/>
+      </p:sp>
+      <p:sp>
+        <p:nvSpPr>
+          <p:cNvPr id="3" name="슬라이드 노트 개체 틀 2"/>
+          <p:cNvSpPr>
+            <a:spLocks noGrp="1"/>
+          </p:cNvSpPr>
+          <p:nvPr>
+            <p:ph type="body" idx="1"/>
+          </p:nvPr>
+        </p:nvSpPr>
+        <p:spPr/>
+        <p:txBody>
+          <a:bodyPr/>
+          <a:lstStyle/>
+          <a:p>
+            <a:r>
+              <a:rPr lang="ko-KR" altLang="en-US" dirty="0"/>
+              <a:t>원래는 </a:t>
+            </a:r>
+            <a:r>
+              <a:rPr lang="en-US" altLang="ko-KR" dirty="0"/>
+              <a:t>Map&lt;Node, </a:t>
+            </a:r>
+            <a:r>
+              <a:rPr lang="en-US" altLang="ko-KR" dirty="0" err="1"/>
+              <a:t>ArrayList</a:t>
+            </a:r>
+            <a:r>
+              <a:rPr lang="en-US" altLang="ko-KR" dirty="0"/>
+              <a:t>&lt;Edge&gt;&gt;</a:t>
+            </a:r>
+            <a:r>
+              <a:rPr lang="ko-KR" altLang="en-US" dirty="0"/>
+              <a:t>의 자료구로를 이용하여 전체 지도를 표현하려 했으나</a:t>
+            </a:r>
+            <a:endParaRPr lang="en-US" altLang="ko-KR" dirty="0"/>
+          </a:p>
+          <a:p>
+            <a:r>
+              <a:rPr lang="en-US" altLang="ko-KR" dirty="0"/>
+              <a:t>Node, Edge Class</a:t>
+            </a:r>
+            <a:r>
+              <a:rPr lang="ko-KR" altLang="en-US" dirty="0"/>
+              <a:t>가 이 프로젝트에서는 필요가 없다고 판단</a:t>
+            </a:r>
+            <a:r>
+              <a:rPr lang="en-US" altLang="ko-KR" dirty="0"/>
+              <a:t>(</a:t>
+            </a:r>
+            <a:r>
+              <a:rPr lang="ko-KR" altLang="en-US" dirty="0"/>
+              <a:t>각각 </a:t>
+            </a:r>
+            <a:r>
+              <a:rPr lang="en-US" altLang="ko-KR" dirty="0"/>
+              <a:t>Class</a:t>
+            </a:r>
+            <a:r>
+              <a:rPr lang="ko-KR" altLang="en-US" dirty="0"/>
+              <a:t>에 쓰일 멤버 변수</a:t>
+            </a:r>
+            <a:r>
+              <a:rPr lang="en-US" altLang="ko-KR" dirty="0"/>
+              <a:t>, </a:t>
+            </a:r>
+            <a:r>
+              <a:rPr lang="ko-KR" altLang="en-US" dirty="0"/>
+              <a:t>함수가 마땅히 없음</a:t>
+            </a:r>
+            <a:r>
+              <a:rPr lang="en-US" altLang="ko-KR" dirty="0"/>
+              <a:t> </a:t>
+            </a:r>
+            <a:r>
+              <a:rPr lang="en-US" altLang="ko-KR" dirty="0">
+                <a:sym typeface="Wingdings" panose="05000000000000000000" pitchFamily="2" charset="2"/>
+              </a:rPr>
+              <a:t> Node</a:t>
+            </a:r>
+            <a:r>
+              <a:rPr lang="ko-KR" altLang="en-US" dirty="0">
+                <a:sym typeface="Wingdings" panose="05000000000000000000" pitchFamily="2" charset="2"/>
+              </a:rPr>
+              <a:t>와 </a:t>
+            </a:r>
+            <a:r>
+              <a:rPr lang="en-US" altLang="ko-KR" dirty="0">
+                <a:sym typeface="Wingdings" panose="05000000000000000000" pitchFamily="2" charset="2"/>
+              </a:rPr>
+              <a:t>Edge</a:t>
+            </a:r>
+            <a:r>
+              <a:rPr lang="ko-KR" altLang="en-US" dirty="0">
+                <a:sym typeface="Wingdings" panose="05000000000000000000" pitchFamily="2" charset="2"/>
+              </a:rPr>
+              <a:t>는 단순 행진의 진행 거리 계산용</a:t>
+            </a:r>
+            <a:r>
+              <a:rPr lang="en-US" altLang="ko-KR" dirty="0">
+                <a:sym typeface="Wingdings" panose="05000000000000000000" pitchFamily="2" charset="2"/>
+              </a:rPr>
+              <a:t>.</a:t>
+            </a:r>
+          </a:p>
+          <a:p>
+            <a:endParaRPr lang="en-US" altLang="ko-KR" dirty="0">
+              <a:sym typeface="Wingdings" panose="05000000000000000000" pitchFamily="2" charset="2"/>
+            </a:endParaRPr>
+          </a:p>
+          <a:p>
+            <a:r>
+              <a:rPr lang="ko-KR" altLang="en-US" dirty="0">
+                <a:sym typeface="Wingdings" panose="05000000000000000000" pitchFamily="2" charset="2"/>
+              </a:rPr>
+              <a:t>대신 </a:t>
+            </a:r>
+            <a:r>
+              <a:rPr lang="ko-KR" altLang="en-US" dirty="0" err="1">
+                <a:solidFill>
+                  <a:schemeClr val="bg1"/>
+                </a:solidFill>
+              </a:rPr>
+              <a:t>Map</a:t>
+            </a:r>
+            <a:r>
+              <a:rPr lang="ko-KR" altLang="en-US" dirty="0">
+                <a:solidFill>
+                  <a:schemeClr val="bg1"/>
+                </a:solidFill>
+              </a:rPr>
+              <a:t>&lt;</a:t>
+            </a:r>
+            <a:r>
+              <a:rPr lang="en-US" altLang="ko-KR" dirty="0">
+                <a:solidFill>
+                  <a:schemeClr val="bg1"/>
+                </a:solidFill>
+              </a:rPr>
+              <a:t>Node1</a:t>
+            </a:r>
+            <a:r>
+              <a:rPr lang="ko-KR" altLang="en-US" dirty="0">
+                <a:solidFill>
+                  <a:schemeClr val="bg1"/>
+                </a:solidFill>
+              </a:rPr>
+              <a:t>, </a:t>
+            </a:r>
+            <a:r>
+              <a:rPr lang="ko-KR" altLang="en-US" dirty="0" err="1">
+                <a:solidFill>
+                  <a:schemeClr val="bg1"/>
+                </a:solidFill>
+              </a:rPr>
+              <a:t>Map</a:t>
+            </a:r>
+            <a:r>
+              <a:rPr lang="ko-KR" altLang="en-US" dirty="0">
+                <a:solidFill>
+                  <a:schemeClr val="bg1"/>
+                </a:solidFill>
+              </a:rPr>
+              <a:t>&lt;</a:t>
+            </a:r>
+            <a:r>
+              <a:rPr lang="en-US" altLang="ko-KR" dirty="0">
+                <a:solidFill>
+                  <a:schemeClr val="bg1"/>
+                </a:solidFill>
+              </a:rPr>
+              <a:t>Node2</a:t>
+            </a:r>
+            <a:r>
+              <a:rPr lang="ko-KR" altLang="en-US" dirty="0">
+                <a:solidFill>
+                  <a:schemeClr val="bg1"/>
+                </a:solidFill>
+              </a:rPr>
+              <a:t>, </a:t>
+            </a:r>
+            <a:r>
+              <a:rPr lang="ko-KR" altLang="en-US" dirty="0" err="1">
+                <a:solidFill>
+                  <a:schemeClr val="bg1"/>
+                </a:solidFill>
+              </a:rPr>
+              <a:t>Integer</a:t>
+            </a:r>
+            <a:r>
+              <a:rPr lang="ko-KR" altLang="en-US" dirty="0">
+                <a:solidFill>
+                  <a:schemeClr val="bg1"/>
+                </a:solidFill>
+              </a:rPr>
+              <a:t>&gt;&gt;</a:t>
+            </a:r>
+            <a:r>
+              <a:rPr lang="en-US" altLang="ko-KR" dirty="0">
+                <a:solidFill>
+                  <a:schemeClr val="bg1"/>
+                </a:solidFill>
+              </a:rPr>
+              <a:t> </a:t>
+            </a:r>
+            <a:r>
+              <a:rPr lang="ko-KR" altLang="en-US" dirty="0">
+                <a:solidFill>
+                  <a:schemeClr val="bg1"/>
+                </a:solidFill>
+              </a:rPr>
+              <a:t>자료구조를 이용하여 </a:t>
+            </a:r>
+            <a:r>
+              <a:rPr lang="en-US" altLang="ko-KR" dirty="0">
+                <a:solidFill>
+                  <a:schemeClr val="bg1"/>
+                </a:solidFill>
+              </a:rPr>
+              <a:t>Node</a:t>
+            </a:r>
+            <a:r>
+              <a:rPr lang="ko-KR" altLang="en-US" dirty="0">
+                <a:solidFill>
+                  <a:schemeClr val="bg1"/>
+                </a:solidFill>
+              </a:rPr>
+              <a:t>와 </a:t>
+            </a:r>
+            <a:r>
+              <a:rPr lang="en-US" altLang="ko-KR" dirty="0">
+                <a:solidFill>
+                  <a:schemeClr val="bg1"/>
+                </a:solidFill>
+              </a:rPr>
+              <a:t>Node </a:t>
+            </a:r>
+            <a:r>
+              <a:rPr lang="ko-KR" altLang="en-US" dirty="0">
+                <a:solidFill>
+                  <a:schemeClr val="bg1"/>
+                </a:solidFill>
+              </a:rPr>
+              <a:t>사이의</a:t>
+            </a:r>
+            <a:r>
+              <a:rPr lang="en-US" altLang="ko-KR" dirty="0">
+                <a:solidFill>
+                  <a:schemeClr val="bg1"/>
+                </a:solidFill>
+              </a:rPr>
+              <a:t> Weight</a:t>
+            </a:r>
+            <a:r>
+              <a:rPr lang="ko-KR" altLang="en-US" dirty="0">
+                <a:solidFill>
+                  <a:schemeClr val="bg1"/>
+                </a:solidFill>
+              </a:rPr>
+              <a:t>에 빠르게 접근하여 계산하기 수월하게 사용</a:t>
+            </a:r>
+            <a:r>
+              <a:rPr lang="en-US" altLang="ko-KR" dirty="0">
+                <a:solidFill>
+                  <a:schemeClr val="bg1"/>
+                </a:solidFill>
+              </a:rPr>
+              <a:t>.</a:t>
+            </a:r>
+          </a:p>
+          <a:p>
+            <a:r>
+              <a:rPr lang="ko-KR" altLang="en-US" dirty="0">
+                <a:solidFill>
+                  <a:schemeClr val="bg1"/>
+                </a:solidFill>
+              </a:rPr>
+              <a:t>프로젝트에서 </a:t>
+            </a:r>
+            <a:r>
+              <a:rPr lang="ko-KR" altLang="en-US" dirty="0" err="1">
+                <a:solidFill>
+                  <a:schemeClr val="bg1"/>
+                </a:solidFill>
+              </a:rPr>
+              <a:t>중요한건</a:t>
+            </a:r>
+            <a:r>
+              <a:rPr lang="ko-KR" altLang="en-US" dirty="0">
+                <a:solidFill>
+                  <a:schemeClr val="bg1"/>
+                </a:solidFill>
+              </a:rPr>
+              <a:t> </a:t>
+            </a:r>
+            <a:r>
+              <a:rPr lang="en-US" altLang="ko-KR" dirty="0">
+                <a:solidFill>
+                  <a:schemeClr val="bg1"/>
+                </a:solidFill>
+              </a:rPr>
+              <a:t>Node, Edge</a:t>
+            </a:r>
+            <a:r>
+              <a:rPr lang="ko-KR" altLang="en-US" dirty="0">
+                <a:solidFill>
+                  <a:schemeClr val="bg1"/>
+                </a:solidFill>
+              </a:rPr>
+              <a:t>가 아닌 시위대별 행진정보</a:t>
+            </a:r>
+            <a:r>
+              <a:rPr lang="en-US" altLang="ko-KR" dirty="0">
+                <a:solidFill>
+                  <a:schemeClr val="bg1"/>
+                </a:solidFill>
+              </a:rPr>
+              <a:t>.</a:t>
+            </a:r>
+          </a:p>
+          <a:p>
+            <a:pPr marL="0" marR="0" lvl="0" indent="0" algn="l" defTabSz="914400" rtl="0" eaLnBrk="1" fontAlgn="auto" latinLnBrk="1" hangingPunct="1">
+              <a:lnSpc>
+                <a:spcPct val="100000"/>
+              </a:lnSpc>
+              <a:spcBef>
+                <a:spcPts val="0"/>
+              </a:spcBef>
+              <a:spcAft>
+                <a:spcPts val="0"/>
+              </a:spcAft>
+              <a:buClrTx/>
+              <a:buSzTx/>
+              <a:buFontTx/>
+              <a:buNone/>
+              <a:tabLst/>
+              <a:defRPr/>
+            </a:pPr>
+            <a:r>
+              <a:rPr lang="ko-KR" altLang="en-US" dirty="0">
+                <a:solidFill>
+                  <a:schemeClr val="bg1"/>
+                </a:solidFill>
+              </a:rPr>
+              <a:t>행진정보는 </a:t>
+            </a:r>
+            <a:r>
+              <a:rPr lang="ko-KR" altLang="en-US" dirty="0" err="1">
+                <a:solidFill>
+                  <a:schemeClr val="bg1"/>
+                </a:solidFill>
+              </a:rPr>
+              <a:t>Map</a:t>
+            </a:r>
+            <a:r>
+              <a:rPr lang="ko-KR" altLang="en-US" dirty="0">
+                <a:solidFill>
+                  <a:schemeClr val="bg1"/>
+                </a:solidFill>
+              </a:rPr>
+              <a:t>&lt;</a:t>
+            </a:r>
+            <a:r>
+              <a:rPr lang="ko-KR" altLang="en-US" dirty="0" err="1">
+                <a:solidFill>
+                  <a:schemeClr val="bg1"/>
+                </a:solidFill>
+              </a:rPr>
+              <a:t>String</a:t>
+            </a:r>
+            <a:r>
+              <a:rPr lang="ko-KR" altLang="en-US" dirty="0">
+                <a:solidFill>
+                  <a:schemeClr val="bg1"/>
+                </a:solidFill>
+              </a:rPr>
+              <a:t>, </a:t>
+            </a:r>
+            <a:r>
+              <a:rPr lang="ko-KR" altLang="en-US" dirty="0" err="1">
+                <a:solidFill>
+                  <a:schemeClr val="bg1"/>
+                </a:solidFill>
+              </a:rPr>
+              <a:t>ParadeInfo</a:t>
+            </a:r>
+            <a:r>
+              <a:rPr lang="ko-KR" altLang="en-US" dirty="0">
+                <a:solidFill>
+                  <a:schemeClr val="bg1"/>
+                </a:solidFill>
+              </a:rPr>
+              <a:t>&gt;의</a:t>
+            </a:r>
+            <a:r>
+              <a:rPr lang="en-US" altLang="ko-KR" dirty="0">
+                <a:solidFill>
+                  <a:schemeClr val="bg1"/>
+                </a:solidFill>
+              </a:rPr>
+              <a:t> </a:t>
+            </a:r>
+            <a:r>
+              <a:rPr lang="ko-KR" altLang="en-US" dirty="0">
+                <a:solidFill>
+                  <a:schemeClr val="bg1"/>
+                </a:solidFill>
+              </a:rPr>
+              <a:t>자료구조로 저장됨</a:t>
+            </a:r>
+            <a:r>
+              <a:rPr lang="en-US" altLang="ko-KR" dirty="0">
+                <a:solidFill>
+                  <a:schemeClr val="bg1"/>
+                </a:solidFill>
+              </a:rPr>
+              <a:t>(</a:t>
+            </a:r>
+            <a:r>
+              <a:rPr lang="en-US" altLang="ko-KR" dirty="0" err="1">
+                <a:solidFill>
+                  <a:schemeClr val="bg1"/>
+                </a:solidFill>
+              </a:rPr>
+              <a:t>ParadeInfo</a:t>
+            </a:r>
+            <a:r>
+              <a:rPr lang="en-US" altLang="ko-KR" dirty="0">
+                <a:solidFill>
+                  <a:schemeClr val="bg1"/>
+                </a:solidFill>
+              </a:rPr>
+              <a:t> Class</a:t>
+            </a:r>
+            <a:r>
+              <a:rPr lang="ko-KR" altLang="en-US" dirty="0">
+                <a:solidFill>
+                  <a:schemeClr val="bg1"/>
+                </a:solidFill>
+              </a:rPr>
+              <a:t>는 각 행진별로 존재하면 멤버 변수에 행진 정보가 포함</a:t>
+            </a:r>
+            <a:r>
+              <a:rPr lang="en-US" altLang="ko-KR" dirty="0">
+                <a:solidFill>
+                  <a:schemeClr val="bg1"/>
+                </a:solidFill>
+              </a:rPr>
+              <a:t>).</a:t>
+            </a:r>
+          </a:p>
+          <a:p>
+            <a:pPr marL="0" marR="0" lvl="0" indent="0" algn="l" defTabSz="914400" rtl="0" eaLnBrk="1" fontAlgn="auto" latinLnBrk="1" hangingPunct="1">
+              <a:lnSpc>
+                <a:spcPct val="100000"/>
+              </a:lnSpc>
+              <a:spcBef>
+                <a:spcPts val="0"/>
+              </a:spcBef>
+              <a:spcAft>
+                <a:spcPts val="0"/>
+              </a:spcAft>
+              <a:buClrTx/>
+              <a:buSzTx/>
+              <a:buFontTx/>
+              <a:buNone/>
+              <a:tabLst/>
+              <a:defRPr/>
+            </a:pPr>
+            <a:endParaRPr lang="en-US" altLang="ko-KR" dirty="0">
+              <a:solidFill>
+                <a:schemeClr val="bg1"/>
+              </a:solidFill>
+            </a:endParaRPr>
+          </a:p>
+          <a:p>
+            <a:pPr marL="0" marR="0" lvl="0" indent="0" algn="l" defTabSz="914400" rtl="0" eaLnBrk="1" fontAlgn="auto" latinLnBrk="1" hangingPunct="1">
+              <a:lnSpc>
+                <a:spcPct val="100000"/>
+              </a:lnSpc>
+              <a:spcBef>
+                <a:spcPts val="0"/>
+              </a:spcBef>
+              <a:spcAft>
+                <a:spcPts val="0"/>
+              </a:spcAft>
+              <a:buClrTx/>
+              <a:buSzTx/>
+              <a:buFontTx/>
+              <a:buNone/>
+              <a:tabLst/>
+              <a:defRPr/>
+            </a:pPr>
+            <a:r>
+              <a:rPr lang="en-US" altLang="ko-KR" dirty="0">
+                <a:solidFill>
+                  <a:schemeClr val="bg1"/>
+                </a:solidFill>
+              </a:rPr>
+              <a:t>GUI</a:t>
+            </a:r>
+            <a:r>
+              <a:rPr lang="ko-KR" altLang="en-US" dirty="0">
+                <a:solidFill>
+                  <a:schemeClr val="bg1"/>
+                </a:solidFill>
+              </a:rPr>
+              <a:t>로</a:t>
+            </a:r>
+            <a:r>
+              <a:rPr lang="en-US" altLang="ko-KR" dirty="0">
+                <a:solidFill>
+                  <a:schemeClr val="bg1"/>
+                </a:solidFill>
+              </a:rPr>
+              <a:t> </a:t>
+            </a:r>
+            <a:r>
+              <a:rPr lang="ko-KR" altLang="en-US" dirty="0">
+                <a:solidFill>
+                  <a:schemeClr val="bg1"/>
+                </a:solidFill>
+              </a:rPr>
+              <a:t>행진이 진행하는 </a:t>
+            </a:r>
+            <a:r>
+              <a:rPr lang="en-US" altLang="ko-KR" dirty="0">
+                <a:solidFill>
+                  <a:schemeClr val="bg1"/>
+                </a:solidFill>
+              </a:rPr>
+              <a:t>Edge</a:t>
+            </a:r>
+            <a:r>
+              <a:rPr lang="ko-KR" altLang="en-US" dirty="0">
+                <a:solidFill>
+                  <a:schemeClr val="bg1"/>
+                </a:solidFill>
+              </a:rPr>
+              <a:t>를 </a:t>
+            </a:r>
+            <a:r>
+              <a:rPr lang="en-US" altLang="ko-KR" dirty="0">
+                <a:solidFill>
+                  <a:schemeClr val="bg1"/>
+                </a:solidFill>
+              </a:rPr>
+              <a:t>Arrow </a:t>
+            </a:r>
+            <a:r>
+              <a:rPr lang="ko-KR" altLang="en-US" dirty="0">
+                <a:solidFill>
+                  <a:schemeClr val="bg1"/>
+                </a:solidFill>
+              </a:rPr>
+              <a:t>형식으로 표현하려 했으나 </a:t>
+            </a:r>
+            <a:r>
+              <a:rPr lang="en-US" altLang="ko-KR" dirty="0" err="1">
+                <a:solidFill>
+                  <a:schemeClr val="bg1"/>
+                </a:solidFill>
+              </a:rPr>
+              <a:t>javafx</a:t>
+            </a:r>
+            <a:r>
+              <a:rPr lang="en-US" altLang="ko-KR" dirty="0">
+                <a:solidFill>
+                  <a:schemeClr val="bg1"/>
+                </a:solidFill>
+              </a:rPr>
+              <a:t> </a:t>
+            </a:r>
+            <a:r>
+              <a:rPr lang="ko-KR" altLang="en-US" dirty="0">
+                <a:solidFill>
+                  <a:schemeClr val="bg1"/>
+                </a:solidFill>
+              </a:rPr>
+              <a:t>기술적 한계 및 직접 만들 시간적 여유가 없어 따로 </a:t>
+            </a:r>
+            <a:r>
+              <a:rPr lang="en-US" altLang="ko-KR" dirty="0">
+                <a:solidFill>
+                  <a:schemeClr val="bg1"/>
+                </a:solidFill>
+              </a:rPr>
+              <a:t>Arrow</a:t>
+            </a:r>
+            <a:r>
+              <a:rPr lang="ko-KR" altLang="en-US" dirty="0">
+                <a:solidFill>
+                  <a:schemeClr val="bg1"/>
+                </a:solidFill>
+              </a:rPr>
+              <a:t>는 표시 안함</a:t>
+            </a:r>
+            <a:r>
+              <a:rPr lang="en-US" altLang="ko-KR" dirty="0">
+                <a:solidFill>
+                  <a:schemeClr val="bg1"/>
+                </a:solidFill>
+              </a:rPr>
+              <a:t>.</a:t>
+            </a:r>
+          </a:p>
+          <a:p>
+            <a:pPr marL="171450" marR="0" lvl="0" indent="-171450" algn="l" defTabSz="914400" rtl="0" eaLnBrk="1" fontAlgn="auto" latinLnBrk="1" hangingPunct="1">
+              <a:lnSpc>
+                <a:spcPct val="100000"/>
+              </a:lnSpc>
+              <a:spcBef>
+                <a:spcPts val="0"/>
+              </a:spcBef>
+              <a:spcAft>
+                <a:spcPts val="0"/>
+              </a:spcAft>
+              <a:buClrTx/>
+              <a:buSzTx/>
+              <a:buFont typeface="Wingdings" panose="05000000000000000000" pitchFamily="2" charset="2"/>
+              <a:buChar char="à"/>
+              <a:tabLst/>
+              <a:defRPr/>
+            </a:pPr>
+            <a:r>
+              <a:rPr lang="ko-KR" altLang="en-US" dirty="0">
+                <a:solidFill>
+                  <a:schemeClr val="bg1"/>
+                </a:solidFill>
+                <a:sym typeface="Wingdings" panose="05000000000000000000" pitchFamily="2" charset="2"/>
+              </a:rPr>
+              <a:t>교차로</a:t>
+            </a:r>
+            <a:r>
+              <a:rPr lang="en-US" altLang="ko-KR" dirty="0">
+                <a:solidFill>
+                  <a:schemeClr val="bg1"/>
+                </a:solidFill>
+                <a:sym typeface="Wingdings" panose="05000000000000000000" pitchFamily="2" charset="2"/>
+              </a:rPr>
+              <a:t>(Node)</a:t>
+            </a:r>
+            <a:r>
+              <a:rPr lang="ko-KR" altLang="en-US" dirty="0">
+                <a:solidFill>
+                  <a:schemeClr val="bg1"/>
+                </a:solidFill>
+                <a:sym typeface="Wingdings" panose="05000000000000000000" pitchFamily="2" charset="2"/>
+              </a:rPr>
+              <a:t>의 색을 변화하는 방법으로만 구현</a:t>
+            </a:r>
+            <a:endParaRPr lang="en-US" altLang="ko-KR" dirty="0">
+              <a:solidFill>
+                <a:schemeClr val="bg1"/>
+              </a:solidFill>
+              <a:sym typeface="Wingdings" panose="05000000000000000000" pitchFamily="2" charset="2"/>
+            </a:endParaRPr>
+          </a:p>
+          <a:p>
+            <a:pPr marL="0" marR="0" lvl="0" indent="0" algn="l" defTabSz="914400" rtl="0" eaLnBrk="1" fontAlgn="auto" latinLnBrk="1" hangingPunct="1">
+              <a:lnSpc>
+                <a:spcPct val="100000"/>
+              </a:lnSpc>
+              <a:spcBef>
+                <a:spcPts val="0"/>
+              </a:spcBef>
+              <a:spcAft>
+                <a:spcPts val="0"/>
+              </a:spcAft>
+              <a:buClrTx/>
+              <a:buSzTx/>
+              <a:buFont typeface="Wingdings" panose="05000000000000000000" pitchFamily="2" charset="2"/>
+              <a:buNone/>
+              <a:tabLst/>
+              <a:defRPr/>
+            </a:pPr>
+            <a:endParaRPr lang="en-US" altLang="ko-KR" dirty="0">
+              <a:solidFill>
+                <a:schemeClr val="bg1"/>
+              </a:solidFill>
+              <a:sym typeface="Wingdings" panose="05000000000000000000" pitchFamily="2" charset="2"/>
+            </a:endParaRPr>
+          </a:p>
+          <a:p>
+            <a:pPr marL="0" marR="0" lvl="0" indent="0" algn="l" defTabSz="914400" rtl="0" eaLnBrk="1" fontAlgn="auto" latinLnBrk="1" hangingPunct="1">
+              <a:lnSpc>
+                <a:spcPct val="100000"/>
+              </a:lnSpc>
+              <a:spcBef>
+                <a:spcPts val="0"/>
+              </a:spcBef>
+              <a:spcAft>
+                <a:spcPts val="0"/>
+              </a:spcAft>
+              <a:buClrTx/>
+              <a:buSzTx/>
+              <a:buFont typeface="Wingdings" panose="05000000000000000000" pitchFamily="2" charset="2"/>
+              <a:buNone/>
+              <a:tabLst/>
+              <a:defRPr/>
+            </a:pPr>
+            <a:r>
+              <a:rPr lang="ko-KR" altLang="en-US" dirty="0">
+                <a:solidFill>
+                  <a:schemeClr val="bg1"/>
+                </a:solidFill>
+                <a:sym typeface="Wingdings" panose="05000000000000000000" pitchFamily="2" charset="2"/>
+              </a:rPr>
+              <a:t>기존 목적인 </a:t>
+            </a:r>
+            <a:r>
+              <a:rPr lang="en-US" altLang="ko-KR" dirty="0">
+                <a:solidFill>
+                  <a:schemeClr val="bg1"/>
+                </a:solidFill>
+                <a:sym typeface="Wingdings" panose="05000000000000000000" pitchFamily="2" charset="2"/>
+              </a:rPr>
+              <a:t>MVC </a:t>
+            </a:r>
+            <a:r>
+              <a:rPr lang="ko-KR" altLang="en-US" dirty="0">
+                <a:solidFill>
+                  <a:schemeClr val="bg1"/>
+                </a:solidFill>
+                <a:sym typeface="Wingdings" panose="05000000000000000000" pitchFamily="2" charset="2"/>
+              </a:rPr>
+              <a:t>패턴이 </a:t>
+            </a:r>
+            <a:r>
+              <a:rPr lang="en-US" altLang="ko-KR" dirty="0">
+                <a:solidFill>
+                  <a:schemeClr val="bg1"/>
+                </a:solidFill>
+                <a:sym typeface="Wingdings" panose="05000000000000000000" pitchFamily="2" charset="2"/>
+              </a:rPr>
+              <a:t>Model(</a:t>
+            </a:r>
+            <a:r>
+              <a:rPr lang="en-US" altLang="ko-KR" dirty="0" err="1">
+                <a:solidFill>
+                  <a:schemeClr val="bg1"/>
+                </a:solidFill>
+                <a:sym typeface="Wingdings" panose="05000000000000000000" pitchFamily="2" charset="2"/>
+              </a:rPr>
+              <a:t>ParadeInfo</a:t>
+            </a:r>
+            <a:r>
+              <a:rPr lang="en-US" altLang="ko-KR" dirty="0">
+                <a:solidFill>
+                  <a:schemeClr val="bg1"/>
+                </a:solidFill>
+                <a:sym typeface="Wingdings" panose="05000000000000000000" pitchFamily="2" charset="2"/>
+              </a:rPr>
+              <a:t> Class) – </a:t>
+            </a:r>
+            <a:r>
+              <a:rPr lang="en-US" altLang="ko-KR" dirty="0" err="1">
+                <a:solidFill>
+                  <a:schemeClr val="bg1"/>
+                </a:solidFill>
+                <a:sym typeface="Wingdings" panose="05000000000000000000" pitchFamily="2" charset="2"/>
+              </a:rPr>
+              <a:t>ViewController</a:t>
+            </a:r>
+            <a:r>
+              <a:rPr lang="en-US" altLang="ko-KR" dirty="0">
+                <a:solidFill>
+                  <a:schemeClr val="bg1"/>
+                </a:solidFill>
+                <a:sym typeface="Wingdings" panose="05000000000000000000" pitchFamily="2" charset="2"/>
+              </a:rPr>
+              <a:t>(</a:t>
+            </a:r>
+            <a:r>
+              <a:rPr lang="en-US" altLang="ko-KR" dirty="0" err="1">
+                <a:solidFill>
+                  <a:schemeClr val="bg1"/>
+                </a:solidFill>
+                <a:sym typeface="Wingdings" panose="05000000000000000000" pitchFamily="2" charset="2"/>
+              </a:rPr>
+              <a:t>ViewController</a:t>
+            </a:r>
+            <a:r>
+              <a:rPr lang="en-US" altLang="ko-KR" dirty="0">
+                <a:solidFill>
+                  <a:schemeClr val="bg1"/>
+                </a:solidFill>
+                <a:sym typeface="Wingdings" panose="05000000000000000000" pitchFamily="2" charset="2"/>
+              </a:rPr>
+              <a:t> Class)</a:t>
+            </a:r>
+            <a:r>
+              <a:rPr lang="ko-KR" altLang="en-US" dirty="0">
+                <a:solidFill>
+                  <a:schemeClr val="bg1"/>
+                </a:solidFill>
+                <a:sym typeface="Wingdings" panose="05000000000000000000" pitchFamily="2" charset="2"/>
+              </a:rPr>
+              <a:t>의 형식으로 변경</a:t>
+            </a:r>
+            <a:r>
+              <a:rPr lang="en-US" altLang="ko-KR" dirty="0">
+                <a:solidFill>
+                  <a:schemeClr val="bg1"/>
+                </a:solidFill>
+                <a:sym typeface="Wingdings" panose="05000000000000000000" pitchFamily="2" charset="2"/>
+              </a:rPr>
+              <a:t>.</a:t>
+            </a:r>
+          </a:p>
+          <a:p>
+            <a:pPr marL="0" marR="0" lvl="0" indent="0" algn="l" defTabSz="914400" rtl="0" eaLnBrk="1" fontAlgn="auto" latinLnBrk="1" hangingPunct="1">
+              <a:lnSpc>
+                <a:spcPct val="100000"/>
+              </a:lnSpc>
+              <a:spcBef>
+                <a:spcPts val="0"/>
+              </a:spcBef>
+              <a:spcAft>
+                <a:spcPts val="0"/>
+              </a:spcAft>
+              <a:buClrTx/>
+              <a:buSzTx/>
+              <a:buFont typeface="Wingdings" panose="05000000000000000000" pitchFamily="2" charset="2"/>
+              <a:buNone/>
+              <a:tabLst/>
+              <a:defRPr/>
+            </a:pPr>
+            <a:r>
+              <a:rPr lang="en-US" altLang="ko-KR" dirty="0" err="1">
+                <a:solidFill>
+                  <a:schemeClr val="bg1"/>
+                </a:solidFill>
+                <a:sym typeface="Wingdings" panose="05000000000000000000" pitchFamily="2" charset="2"/>
+              </a:rPr>
+              <a:t>Javafxmlcontroller</a:t>
+            </a:r>
+            <a:r>
+              <a:rPr lang="ko-KR" altLang="en-US" dirty="0">
+                <a:solidFill>
+                  <a:schemeClr val="bg1"/>
+                </a:solidFill>
+                <a:sym typeface="Wingdings" panose="05000000000000000000" pitchFamily="2" charset="2"/>
+              </a:rPr>
+              <a:t>를 </a:t>
+            </a:r>
+            <a:r>
+              <a:rPr lang="en-US" altLang="ko-KR" dirty="0" err="1">
+                <a:solidFill>
+                  <a:schemeClr val="bg1"/>
+                </a:solidFill>
+                <a:sym typeface="Wingdings" panose="05000000000000000000" pitchFamily="2" charset="2"/>
+              </a:rPr>
+              <a:t>ViewController</a:t>
+            </a:r>
+            <a:r>
+              <a:rPr lang="en-US" altLang="ko-KR" dirty="0">
+                <a:solidFill>
+                  <a:schemeClr val="bg1"/>
+                </a:solidFill>
+                <a:sym typeface="Wingdings" panose="05000000000000000000" pitchFamily="2" charset="2"/>
+              </a:rPr>
+              <a:t> Class</a:t>
+            </a:r>
+            <a:r>
+              <a:rPr lang="ko-KR" altLang="en-US" dirty="0">
+                <a:solidFill>
+                  <a:schemeClr val="bg1"/>
+                </a:solidFill>
+                <a:sym typeface="Wingdings" panose="05000000000000000000" pitchFamily="2" charset="2"/>
+              </a:rPr>
+              <a:t>로 재사용</a:t>
+            </a:r>
+            <a:r>
+              <a:rPr lang="en-US" altLang="ko-KR" dirty="0">
+                <a:solidFill>
+                  <a:schemeClr val="bg1"/>
+                </a:solidFill>
+                <a:sym typeface="Wingdings" panose="05000000000000000000" pitchFamily="2" charset="2"/>
+              </a:rPr>
+              <a:t>(</a:t>
+            </a:r>
+            <a:r>
+              <a:rPr lang="ko-KR" altLang="en-US" dirty="0">
+                <a:solidFill>
+                  <a:schemeClr val="bg1"/>
+                </a:solidFill>
+                <a:sym typeface="Wingdings" panose="05000000000000000000" pitchFamily="2" charset="2"/>
+              </a:rPr>
+              <a:t>아니면 </a:t>
+            </a:r>
+            <a:r>
+              <a:rPr lang="en-US" altLang="ko-KR" dirty="0">
+                <a:solidFill>
+                  <a:schemeClr val="bg1"/>
+                </a:solidFill>
+                <a:sym typeface="Wingdings" panose="05000000000000000000" pitchFamily="2" charset="2"/>
+              </a:rPr>
+              <a:t>FXML </a:t>
+            </a:r>
+            <a:r>
+              <a:rPr lang="ko-KR" altLang="en-US" dirty="0">
+                <a:solidFill>
+                  <a:schemeClr val="bg1"/>
+                </a:solidFill>
+                <a:sym typeface="Wingdings" panose="05000000000000000000" pitchFamily="2" charset="2"/>
+              </a:rPr>
+              <a:t>변수들</a:t>
+            </a:r>
+            <a:r>
+              <a:rPr lang="en-US" altLang="ko-KR" dirty="0">
+                <a:solidFill>
+                  <a:schemeClr val="bg1"/>
+                </a:solidFill>
+                <a:sym typeface="Wingdings" panose="05000000000000000000" pitchFamily="2" charset="2"/>
+              </a:rPr>
+              <a:t>, GUI</a:t>
+            </a:r>
+            <a:r>
+              <a:rPr lang="ko-KR" altLang="en-US" dirty="0">
+                <a:solidFill>
+                  <a:schemeClr val="bg1"/>
+                </a:solidFill>
+                <a:sym typeface="Wingdings" panose="05000000000000000000" pitchFamily="2" charset="2"/>
+              </a:rPr>
+              <a:t>의 멤버들을 사용하기가 힘들기 때문</a:t>
+            </a:r>
+            <a:r>
+              <a:rPr lang="en-US" altLang="ko-KR" dirty="0">
+                <a:solidFill>
+                  <a:schemeClr val="bg1"/>
+                </a:solidFill>
+                <a:sym typeface="Wingdings" panose="05000000000000000000" pitchFamily="2" charset="2"/>
+              </a:rPr>
+              <a:t>).</a:t>
+            </a:r>
+            <a:endParaRPr lang="en-US" altLang="ko-KR" dirty="0">
+              <a:solidFill>
+                <a:schemeClr val="bg1"/>
+              </a:solidFill>
+            </a:endParaRPr>
+          </a:p>
+          <a:p>
+            <a:pPr marL="0" marR="0" lvl="0" indent="0" algn="l" defTabSz="914400" rtl="0" eaLnBrk="1" fontAlgn="auto" latinLnBrk="1" hangingPunct="1">
+              <a:lnSpc>
+                <a:spcPct val="100000"/>
+              </a:lnSpc>
+              <a:spcBef>
+                <a:spcPts val="0"/>
+              </a:spcBef>
+              <a:spcAft>
+                <a:spcPts val="0"/>
+              </a:spcAft>
+              <a:buClrTx/>
+              <a:buSzTx/>
+              <a:buFontTx/>
+              <a:buNone/>
+              <a:tabLst/>
+              <a:defRPr/>
+            </a:pPr>
+            <a:endParaRPr lang="ko-KR" altLang="en-US" dirty="0">
+              <a:solidFill>
+                <a:schemeClr val="bg1"/>
+              </a:solidFill>
+            </a:endParaRPr>
+          </a:p>
+        </p:txBody>
+      </p:sp>
+      <p:sp>
+        <p:nvSpPr>
+          <p:cNvPr id="4" name="슬라이드 번호 개체 틀 3"/>
+          <p:cNvSpPr>
+            <a:spLocks noGrp="1"/>
+          </p:cNvSpPr>
+          <p:nvPr>
+            <p:ph type="sldNum" sz="quarter" idx="10"/>
+          </p:nvPr>
+        </p:nvSpPr>
+        <p:spPr/>
+        <p:txBody>
+          <a:bodyPr/>
+          <a:lstStyle/>
+          <a:p>
+            <a:fld id="{0DC1DE66-3386-48AC-A7D3-217B93C56141}" type="slidenum">
+              <a:rPr lang="ko-KR" altLang="en-US" smtClean="0"/>
+              <a:t>6</a:t>
+            </a:fld>
+            <a:endParaRPr lang="ko-KR" altLang="en-US"/>
+          </a:p>
+        </p:txBody>
+      </p:sp>
+    </p:spTree>
+    <p:extLst>
+      <p:ext uri="{BB962C8B-B14F-4D97-AF65-F5344CB8AC3E}">
+        <p14:creationId xmlns:p14="http://schemas.microsoft.com/office/powerpoint/2010/main" val="1591795459"/>
+      </p:ext>
+    </p:extLst>
+  </p:cSld>
+  <p:clrMapOvr>
+    <a:masterClrMapping/>
+  </p:clrMapOvr>
+</p:notes>
+</file>
+
+<file path=ppt/notesSlides/notesSlide7.xml><?xml version="1.0" encoding="utf-8"?>
+<p:notes xmlns:a="http://schemas.openxmlformats.org/drawingml/2006/main" xmlns:r="http://schemas.openxmlformats.org/officeDocument/2006/relationships" xmlns:p="http://schemas.openxmlformats.org/presentationml/2006/main">
+  <p:cSld>
+    <p:spTree>
+      <p:nvGrpSpPr>
+        <p:cNvPr id="1" name=""/>
+        <p:cNvGrpSpPr/>
+        <p:nvPr/>
+      </p:nvGrpSpPr>
+      <p:grpSpPr>
+        <a:xfrm>
+          <a:off x="0" y="0"/>
+          <a:ext cx="0" cy="0"/>
+          <a:chOff x="0" y="0"/>
+          <a:chExt cx="0" cy="0"/>
+        </a:xfrm>
+      </p:grpSpPr>
+      <p:sp>
+        <p:nvSpPr>
+          <p:cNvPr id="2" name="슬라이드 이미지 개체 틀 1"/>
+          <p:cNvSpPr>
+            <a:spLocks noGrp="1" noRot="1" noChangeAspect="1"/>
+          </p:cNvSpPr>
+          <p:nvPr>
+            <p:ph type="sldImg"/>
+          </p:nvPr>
+        </p:nvSpPr>
+        <p:spPr/>
+      </p:sp>
+      <p:sp>
+        <p:nvSpPr>
+          <p:cNvPr id="3" name="슬라이드 노트 개체 틀 2"/>
+          <p:cNvSpPr>
+            <a:spLocks noGrp="1"/>
+          </p:cNvSpPr>
+          <p:nvPr>
+            <p:ph type="body" idx="1"/>
+          </p:nvPr>
+        </p:nvSpPr>
+        <p:spPr/>
+        <p:txBody>
+          <a:bodyPr/>
+          <a:lstStyle/>
+          <a:p>
+            <a:r>
+              <a:rPr lang="ko-KR" altLang="en-US" dirty="0"/>
+              <a:t>앞으로 할 일은</a:t>
+            </a:r>
+            <a:r>
+              <a:rPr lang="en-US" altLang="ko-KR" dirty="0"/>
+              <a:t>, GUI </a:t>
+            </a:r>
+            <a:r>
+              <a:rPr lang="ko-KR" altLang="en-US" dirty="0"/>
+              <a:t>부분</a:t>
+            </a:r>
+            <a:r>
+              <a:rPr lang="en-US" altLang="ko-KR" dirty="0"/>
+              <a:t>(Node</a:t>
+            </a:r>
+            <a:r>
+              <a:rPr lang="ko-KR" altLang="en-US" dirty="0"/>
+              <a:t>가 알맞게 색이 변하는 등</a:t>
+            </a:r>
+            <a:r>
+              <a:rPr lang="en-US" altLang="ko-KR" dirty="0"/>
+              <a:t>)</a:t>
+            </a:r>
+            <a:r>
+              <a:rPr lang="ko-KR" altLang="en-US" dirty="0"/>
+              <a:t>을</a:t>
+            </a:r>
+            <a:r>
+              <a:rPr lang="en-US" altLang="ko-KR" dirty="0"/>
+              <a:t> </a:t>
+            </a:r>
+            <a:r>
+              <a:rPr lang="ko-KR" altLang="en-US" dirty="0"/>
+              <a:t>마무리하고</a:t>
+            </a:r>
+            <a:r>
+              <a:rPr lang="en-US" altLang="ko-KR" dirty="0"/>
+              <a:t> </a:t>
+            </a:r>
+            <a:r>
+              <a:rPr lang="ko-KR" altLang="en-US" dirty="0" err="1"/>
+              <a:t>다익스트라</a:t>
+            </a:r>
+            <a:r>
+              <a:rPr lang="ko-KR" altLang="en-US" dirty="0"/>
+              <a:t> 알고리즘을 이용하여 </a:t>
+            </a:r>
+            <a:r>
+              <a:rPr lang="en-US" altLang="ko-KR" dirty="0"/>
+              <a:t>‘</a:t>
+            </a:r>
+            <a:r>
+              <a:rPr lang="ko-KR" altLang="en-US" dirty="0"/>
+              <a:t>바리케이드 예상 교차로</a:t>
+            </a:r>
+            <a:r>
+              <a:rPr lang="en-US" altLang="ko-KR" dirty="0"/>
+              <a:t>’ </a:t>
+            </a:r>
+            <a:r>
+              <a:rPr lang="ko-KR" altLang="en-US" dirty="0"/>
+              <a:t>구현 및</a:t>
+            </a:r>
+            <a:r>
+              <a:rPr lang="en-US" altLang="ko-KR" dirty="0"/>
+              <a:t> </a:t>
+            </a:r>
+            <a:r>
+              <a:rPr lang="ko-KR" altLang="en-US" dirty="0"/>
+              <a:t>중심성을 이용하여 </a:t>
+            </a:r>
+            <a:r>
+              <a:rPr lang="en-US" altLang="ko-KR" dirty="0"/>
+              <a:t>‘</a:t>
+            </a:r>
+            <a:r>
+              <a:rPr lang="ko-KR" altLang="en-US" dirty="0"/>
+              <a:t>주요 경력 배치 교차로</a:t>
+            </a:r>
+            <a:r>
+              <a:rPr lang="en-US" altLang="ko-KR" dirty="0"/>
+              <a:t>’</a:t>
+            </a:r>
+            <a:r>
+              <a:rPr lang="ko-KR" altLang="en-US" dirty="0"/>
+              <a:t>를 구현</a:t>
+            </a:r>
+            <a:r>
+              <a:rPr lang="en-US" altLang="ko-KR" dirty="0"/>
+              <a:t>.</a:t>
+            </a:r>
+          </a:p>
+          <a:p>
+            <a:endParaRPr lang="en-US" altLang="ko-KR" dirty="0"/>
+          </a:p>
+          <a:p>
+            <a:r>
+              <a:rPr lang="ko-KR" altLang="en-US" dirty="0"/>
+              <a:t>시간적 여유가 되면 엑셀 파일에 </a:t>
+            </a:r>
+            <a:r>
+              <a:rPr lang="en-US" altLang="ko-KR" dirty="0"/>
+              <a:t>Data Input</a:t>
+            </a:r>
+            <a:r>
+              <a:rPr lang="ko-KR" altLang="en-US" dirty="0"/>
+              <a:t>시 예외 처리에 신경 쓰기</a:t>
+            </a:r>
+            <a:r>
+              <a:rPr lang="en-US" altLang="ko-KR" dirty="0"/>
+              <a:t>.</a:t>
+            </a:r>
+          </a:p>
+          <a:p>
+            <a:endParaRPr lang="en-US" altLang="ko-KR" dirty="0"/>
+          </a:p>
+          <a:p>
+            <a:r>
+              <a:rPr lang="ko-KR" altLang="en-US" dirty="0"/>
+              <a:t>전반적인 코드 최적화</a:t>
+            </a:r>
+            <a:r>
+              <a:rPr lang="en-US" altLang="ko-KR" dirty="0"/>
+              <a:t>…</a:t>
+            </a:r>
+          </a:p>
+          <a:p>
+            <a:endParaRPr lang="en-US" altLang="ko-KR" dirty="0"/>
+          </a:p>
+        </p:txBody>
+      </p:sp>
+      <p:sp>
+        <p:nvSpPr>
+          <p:cNvPr id="4" name="슬라이드 번호 개체 틀 3"/>
+          <p:cNvSpPr>
+            <a:spLocks noGrp="1"/>
+          </p:cNvSpPr>
+          <p:nvPr>
+            <p:ph type="sldNum" sz="quarter" idx="10"/>
+          </p:nvPr>
+        </p:nvSpPr>
+        <p:spPr/>
+        <p:txBody>
+          <a:bodyPr/>
+          <a:lstStyle/>
+          <a:p>
+            <a:fld id="{0DC1DE66-3386-48AC-A7D3-217B93C56141}" type="slidenum">
+              <a:rPr lang="ko-KR" altLang="en-US" smtClean="0"/>
+              <a:t>7</a:t>
             </a:fld>
             <a:endParaRPr lang="ko-KR" altLang="en-US"/>
           </a:p>
@@ -1103,7 +2961,7 @@
           <a:p>
             <a:fld id="{72FC2849-A083-443C-980D-B9A1D458CE60}" type="datetimeFigureOut">
               <a:rPr lang="ko-KR" altLang="en-US" smtClean="0"/>
-              <a:t>2018-10-10</a:t>
+              <a:t>2018-10-18</a:t>
             </a:fld>
             <a:endParaRPr lang="ko-KR" altLang="en-US"/>
           </a:p>
@@ -1271,7 +3129,7 @@
           <a:p>
             <a:fld id="{72FC2849-A083-443C-980D-B9A1D458CE60}" type="datetimeFigureOut">
               <a:rPr lang="ko-KR" altLang="en-US" smtClean="0"/>
-              <a:t>2018-10-10</a:t>
+              <a:t>2018-10-18</a:t>
             </a:fld>
             <a:endParaRPr lang="ko-KR" altLang="en-US"/>
           </a:p>
@@ -1449,7 +3307,7 @@
           <a:p>
             <a:fld id="{72FC2849-A083-443C-980D-B9A1D458CE60}" type="datetimeFigureOut">
               <a:rPr lang="ko-KR" altLang="en-US" smtClean="0"/>
-              <a:t>2018-10-10</a:t>
+              <a:t>2018-10-18</a:t>
             </a:fld>
             <a:endParaRPr lang="ko-KR" altLang="en-US"/>
           </a:p>
@@ -1617,7 +3475,7 @@
           <a:p>
             <a:fld id="{72FC2849-A083-443C-980D-B9A1D458CE60}" type="datetimeFigureOut">
               <a:rPr lang="ko-KR" altLang="en-US" smtClean="0"/>
-              <a:t>2018-10-10</a:t>
+              <a:t>2018-10-18</a:t>
             </a:fld>
             <a:endParaRPr lang="ko-KR" altLang="en-US"/>
           </a:p>
@@ -1862,7 +3720,7 @@
           <a:p>
             <a:fld id="{72FC2849-A083-443C-980D-B9A1D458CE60}" type="datetimeFigureOut">
               <a:rPr lang="ko-KR" altLang="en-US" smtClean="0"/>
-              <a:t>2018-10-10</a:t>
+              <a:t>2018-10-18</a:t>
             </a:fld>
             <a:endParaRPr lang="ko-KR" altLang="en-US"/>
           </a:p>
@@ -2147,7 +4005,7 @@
           <a:p>
             <a:fld id="{72FC2849-A083-443C-980D-B9A1D458CE60}" type="datetimeFigureOut">
               <a:rPr lang="ko-KR" altLang="en-US" smtClean="0"/>
-              <a:t>2018-10-10</a:t>
+              <a:t>2018-10-18</a:t>
             </a:fld>
             <a:endParaRPr lang="ko-KR" altLang="en-US"/>
           </a:p>
@@ -2566,7 +4424,7 @@
           <a:p>
             <a:fld id="{72FC2849-A083-443C-980D-B9A1D458CE60}" type="datetimeFigureOut">
               <a:rPr lang="ko-KR" altLang="en-US" smtClean="0"/>
-              <a:t>2018-10-10</a:t>
+              <a:t>2018-10-18</a:t>
             </a:fld>
             <a:endParaRPr lang="ko-KR" altLang="en-US"/>
           </a:p>
@@ -2683,7 +4541,7 @@
           <a:p>
             <a:fld id="{72FC2849-A083-443C-980D-B9A1D458CE60}" type="datetimeFigureOut">
               <a:rPr lang="ko-KR" altLang="en-US" smtClean="0"/>
-              <a:t>2018-10-10</a:t>
+              <a:t>2018-10-18</a:t>
             </a:fld>
             <a:endParaRPr lang="ko-KR" altLang="en-US"/>
           </a:p>
@@ -2778,7 +4636,7 @@
           <a:p>
             <a:fld id="{72FC2849-A083-443C-980D-B9A1D458CE60}" type="datetimeFigureOut">
               <a:rPr lang="ko-KR" altLang="en-US" smtClean="0"/>
-              <a:t>2018-10-10</a:t>
+              <a:t>2018-10-18</a:t>
             </a:fld>
             <a:endParaRPr lang="ko-KR" altLang="en-US"/>
           </a:p>
@@ -3053,7 +4911,7 @@
           <a:p>
             <a:fld id="{72FC2849-A083-443C-980D-B9A1D458CE60}" type="datetimeFigureOut">
               <a:rPr lang="ko-KR" altLang="en-US" smtClean="0"/>
-              <a:t>2018-10-10</a:t>
+              <a:t>2018-10-18</a:t>
             </a:fld>
             <a:endParaRPr lang="ko-KR" altLang="en-US"/>
           </a:p>
@@ -3305,7 +5163,7 @@
           <a:p>
             <a:fld id="{72FC2849-A083-443C-980D-B9A1D458CE60}" type="datetimeFigureOut">
               <a:rPr lang="ko-KR" altLang="en-US" smtClean="0"/>
-              <a:t>2018-10-10</a:t>
+              <a:t>2018-10-18</a:t>
             </a:fld>
             <a:endParaRPr lang="ko-KR" altLang="en-US"/>
           </a:p>
@@ -3516,7 +5374,7 @@
           <a:p>
             <a:fld id="{72FC2849-A083-443C-980D-B9A1D458CE60}" type="datetimeFigureOut">
               <a:rPr lang="ko-KR" altLang="en-US" smtClean="0"/>
-              <a:t>2018-10-10</a:t>
+              <a:t>2018-10-18</a:t>
             </a:fld>
             <a:endParaRPr lang="ko-KR" altLang="en-US"/>
           </a:p>
@@ -4282,6 +6140,75 @@
           </a:p>
         </p:txBody>
       </p:sp>
+      <p:sp>
+        <p:nvSpPr>
+          <p:cNvPr id="9" name="TextBox 8">
+            <a:extLst>
+              <a:ext uri="{FF2B5EF4-FFF2-40B4-BE49-F238E27FC236}">
+                <a16:creationId xmlns:a16="http://schemas.microsoft.com/office/drawing/2014/main" id="{D5E892D6-629E-43DD-9C80-95218561CA18}"/>
+              </a:ext>
+            </a:extLst>
+          </p:cNvPr>
+          <p:cNvSpPr txBox="1"/>
+          <p:nvPr/>
+        </p:nvSpPr>
+        <p:spPr>
+          <a:xfrm>
+            <a:off x="2151394" y="4424006"/>
+            <a:ext cx="4850606" cy="1195761"/>
+          </a:xfrm>
+          <a:prstGeom prst="rect">
+            <a:avLst/>
+          </a:prstGeom>
+          <a:noFill/>
+        </p:spPr>
+        <p:txBody>
+          <a:bodyPr wrap="square" rtlCol="0">
+            <a:spAutoFit/>
+            <a:scene3d>
+              <a:camera prst="perspectiveFront"/>
+              <a:lightRig rig="threePt" dir="t"/>
+            </a:scene3d>
+          </a:bodyPr>
+          <a:lstStyle/>
+          <a:p>
+            <a:pPr algn="ctr"/>
+            <a:r>
+              <a:rPr lang="ko-KR" altLang="en-US" sz="3600" dirty="0">
+                <a:solidFill>
+                  <a:srgbClr val="FF0000"/>
+                </a:solidFill>
+                <a:highlight>
+                  <a:srgbClr val="FFFF00"/>
+                </a:highlight>
+                <a:latin typeface="+mj-lt"/>
+              </a:rPr>
+              <a:t>슬라이드 노트에 상세 설명이 있습니다</a:t>
+            </a:r>
+            <a:r>
+              <a:rPr lang="en-US" altLang="ko-KR" sz="3600" dirty="0">
+                <a:solidFill>
+                  <a:srgbClr val="FF0000"/>
+                </a:solidFill>
+                <a:highlight>
+                  <a:srgbClr val="FFFF00"/>
+                </a:highlight>
+                <a:latin typeface="+mj-lt"/>
+              </a:rPr>
+              <a:t>!</a:t>
+            </a:r>
+            <a:endParaRPr lang="ko-KR" altLang="en-US" sz="3600" dirty="0">
+              <a:solidFill>
+                <a:srgbClr val="FF0000"/>
+              </a:solidFill>
+              <a:highlight>
+                <a:srgbClr val="FFFF00"/>
+              </a:highlight>
+              <a:latin typeface="+mj-lt"/>
+            </a:endParaRPr>
+          </a:p>
+        </p:txBody>
+      </p:sp>
     </p:spTree>
     <p:extLst>
       <p:ext uri="{BB962C8B-B14F-4D97-AF65-F5344CB8AC3E}">
@@ -4443,7 +6370,7 @@
           <p:spPr>
             <a:xfrm>
               <a:off x="3487354" y="364280"/>
-              <a:ext cx="2160240" cy="1067199"/>
+              <a:ext cx="2160240" cy="1067200"/>
             </a:xfrm>
             <a:prstGeom prst="rect">
               <a:avLst/>
@@ -5350,6 +7277,662 @@
         </p:nvGrpSpPr>
         <p:grpSpPr>
           <a:xfrm>
+            <a:off x="1043609" y="282884"/>
+            <a:ext cx="7056784" cy="769852"/>
+            <a:chOff x="3349672" y="364280"/>
+            <a:chExt cx="2448272" cy="1271153"/>
+          </a:xfrm>
+        </p:grpSpPr>
+        <p:cxnSp>
+          <p:nvCxnSpPr>
+            <p:cNvPr id="13" name="직선 연결선 12"/>
+            <p:cNvCxnSpPr/>
+            <p:nvPr/>
+          </p:nvCxnSpPr>
+          <p:spPr>
+            <a:xfrm>
+              <a:off x="3349672" y="1635433"/>
+              <a:ext cx="2448272" cy="0"/>
+            </a:xfrm>
+            <a:prstGeom prst="line">
+              <a:avLst/>
+            </a:prstGeom>
+            <a:ln w="25400">
+              <a:solidFill>
+                <a:schemeClr val="tx1">
+                  <a:lumMod val="65000"/>
+                  <a:lumOff val="35000"/>
+                </a:schemeClr>
+              </a:solidFill>
+            </a:ln>
+            <a:scene3d>
+              <a:camera prst="perspectiveFront"/>
+              <a:lightRig rig="threePt" dir="t"/>
+            </a:scene3d>
+          </p:spPr>
+          <p:style>
+            <a:lnRef idx="1">
+              <a:schemeClr val="accent1"/>
+            </a:lnRef>
+            <a:fillRef idx="0">
+              <a:schemeClr val="accent1"/>
+            </a:fillRef>
+            <a:effectRef idx="0">
+              <a:schemeClr val="accent1"/>
+            </a:effectRef>
+            <a:fontRef idx="minor">
+              <a:schemeClr val="tx1"/>
+            </a:fontRef>
+          </p:style>
+        </p:cxnSp>
+        <p:sp>
+          <p:nvSpPr>
+            <p:cNvPr id="14" name="TextBox 13"/>
+            <p:cNvSpPr txBox="1"/>
+            <p:nvPr/>
+          </p:nvSpPr>
+          <p:spPr>
+            <a:xfrm>
+              <a:off x="3487354" y="364280"/>
+              <a:ext cx="2160240" cy="1067200"/>
+            </a:xfrm>
+            <a:prstGeom prst="rect">
+              <a:avLst/>
+            </a:prstGeom>
+            <a:noFill/>
+          </p:spPr>
+          <p:txBody>
+            <a:bodyPr wrap="square" rtlCol="0">
+              <a:spAutoFit/>
+              <a:scene3d>
+                <a:camera prst="perspectiveFront"/>
+                <a:lightRig rig="threePt" dir="t"/>
+              </a:scene3d>
+            </a:bodyPr>
+            <a:lstStyle/>
+            <a:p>
+              <a:pPr algn="ctr"/>
+              <a:r>
+                <a:rPr lang="en-US" altLang="ko-KR" sz="3600" dirty="0">
+                  <a:solidFill>
+                    <a:schemeClr val="bg1"/>
+                  </a:solidFill>
+                  <a:latin typeface="+mj-lt"/>
+                </a:rPr>
+                <a:t>Implementation</a:t>
+              </a:r>
+              <a:r>
+                <a:rPr lang="en-US" altLang="ko-KR" sz="2000" dirty="0">
+                  <a:solidFill>
+                    <a:schemeClr val="bg1"/>
+                  </a:solidFill>
+                  <a:latin typeface="+mj-lt"/>
+                </a:rPr>
+                <a:t>(</a:t>
+              </a:r>
+              <a:r>
+                <a:rPr lang="en-US" altLang="ko-KR" sz="2000" dirty="0" err="1">
+                  <a:solidFill>
+                    <a:schemeClr val="bg1"/>
+                  </a:solidFill>
+                  <a:latin typeface="+mj-lt"/>
+                </a:rPr>
+                <a:t>ViewController</a:t>
+              </a:r>
+              <a:r>
+                <a:rPr lang="en-US" altLang="ko-KR" sz="2000" dirty="0">
+                  <a:solidFill>
+                    <a:schemeClr val="bg1"/>
+                  </a:solidFill>
+                  <a:latin typeface="+mj-lt"/>
+                </a:rPr>
+                <a:t> Class)</a:t>
+              </a:r>
+              <a:endParaRPr lang="ko-KR" altLang="en-US" sz="3600" dirty="0">
+                <a:solidFill>
+                  <a:schemeClr val="bg1"/>
+                </a:solidFill>
+                <a:latin typeface="+mj-lt"/>
+              </a:endParaRPr>
+            </a:p>
+          </p:txBody>
+        </p:sp>
+      </p:grpSp>
+      <p:pic>
+        <p:nvPicPr>
+          <p:cNvPr id="3" name="그림 2">
+            <a:extLst>
+              <a:ext uri="{FF2B5EF4-FFF2-40B4-BE49-F238E27FC236}">
+                <a16:creationId xmlns:a16="http://schemas.microsoft.com/office/drawing/2014/main" id="{21673311-7F58-4C05-9C39-F9A502343B77}"/>
+              </a:ext>
+            </a:extLst>
+          </p:cNvPr>
+          <p:cNvPicPr>
+            <a:picLocks noChangeAspect="1"/>
+          </p:cNvPicPr>
+          <p:nvPr/>
+        </p:nvPicPr>
+        <p:blipFill>
+          <a:blip r:embed="rId4"/>
+          <a:stretch>
+            <a:fillRect/>
+          </a:stretch>
+        </p:blipFill>
+        <p:spPr>
+          <a:xfrm>
+            <a:off x="-36512" y="1212099"/>
+            <a:ext cx="9175302" cy="5492575"/>
+          </a:xfrm>
+          <a:prstGeom prst="rect">
+            <a:avLst/>
+          </a:prstGeom>
+        </p:spPr>
+      </p:pic>
+    </p:spTree>
+    <p:extLst>
+      <p:ext uri="{BB962C8B-B14F-4D97-AF65-F5344CB8AC3E}">
+        <p14:creationId xmlns:p14="http://schemas.microsoft.com/office/powerpoint/2010/main" val="1853181144"/>
+      </p:ext>
+    </p:extLst>
+  </p:cSld>
+  <p:clrMapOvr>
+    <a:masterClrMapping/>
+  </p:clrMapOvr>
+</p:sld>
+</file>
+
+<file path=ppt/slides/slide5.xml><?xml version="1.0" encoding="utf-8"?>
+<p:sld xmlns:a="http://schemas.openxmlformats.org/drawingml/2006/main" xmlns:r="http://schemas.openxmlformats.org/officeDocument/2006/relationships" xmlns:p="http://schemas.openxmlformats.org/presentationml/2006/main">
+  <p:cSld>
+    <p:spTree>
+      <p:nvGrpSpPr>
+        <p:cNvPr id="1" name=""/>
+        <p:cNvGrpSpPr/>
+        <p:nvPr/>
+      </p:nvGrpSpPr>
+      <p:grpSpPr>
+        <a:xfrm>
+          <a:off x="0" y="0"/>
+          <a:ext cx="0" cy="0"/>
+          <a:chOff x="0" y="0"/>
+          <a:chExt cx="0" cy="0"/>
+        </a:xfrm>
+      </p:grpSpPr>
+      <p:pic>
+        <p:nvPicPr>
+          <p:cNvPr id="12" name="Picture 2"/>
+          <p:cNvPicPr>
+            <a:picLocks noChangeAspect="1" noChangeArrowheads="1"/>
+          </p:cNvPicPr>
+          <p:nvPr/>
+        </p:nvPicPr>
+        <p:blipFill>
+          <a:blip r:embed="rId3" cstate="print"/>
+          <a:srcRect/>
+          <a:stretch>
+            <a:fillRect/>
+          </a:stretch>
+        </p:blipFill>
+        <p:spPr bwMode="auto">
+          <a:xfrm>
+            <a:off x="-36512" y="-45374"/>
+            <a:ext cx="9180512" cy="6930758"/>
+          </a:xfrm>
+          <a:prstGeom prst="rect">
+            <a:avLst/>
+          </a:prstGeom>
+          <a:solidFill>
+            <a:schemeClr val="bg1"/>
+          </a:solidFill>
+          <a:ln w="9525">
+            <a:noFill/>
+            <a:miter lim="800000"/>
+            <a:headEnd/>
+            <a:tailEnd/>
+          </a:ln>
+        </p:spPr>
+      </p:pic>
+      <p:pic>
+        <p:nvPicPr>
+          <p:cNvPr id="8" name="Picture 2"/>
+          <p:cNvPicPr>
+            <a:picLocks noChangeAspect="1" noChangeArrowheads="1"/>
+          </p:cNvPicPr>
+          <p:nvPr/>
+        </p:nvPicPr>
+        <p:blipFill>
+          <a:blip r:embed="rId3" cstate="print"/>
+          <a:srcRect/>
+          <a:stretch>
+            <a:fillRect/>
+          </a:stretch>
+        </p:blipFill>
+        <p:spPr bwMode="auto">
+          <a:xfrm>
+            <a:off x="-5210" y="0"/>
+            <a:ext cx="9144000" cy="6930758"/>
+          </a:xfrm>
+          <a:prstGeom prst="rect">
+            <a:avLst/>
+          </a:prstGeom>
+          <a:noFill/>
+          <a:ln w="9525">
+            <a:noFill/>
+            <a:miter lim="800000"/>
+            <a:headEnd/>
+            <a:tailEnd/>
+          </a:ln>
+        </p:spPr>
+      </p:pic>
+      <p:grpSp>
+        <p:nvGrpSpPr>
+          <p:cNvPr id="2" name="그룹 1"/>
+          <p:cNvGrpSpPr/>
+          <p:nvPr/>
+        </p:nvGrpSpPr>
+        <p:grpSpPr>
+          <a:xfrm>
+            <a:off x="1043609" y="282884"/>
+            <a:ext cx="7056784" cy="769852"/>
+            <a:chOff x="3349672" y="364280"/>
+            <a:chExt cx="2448272" cy="1271153"/>
+          </a:xfrm>
+        </p:grpSpPr>
+        <p:cxnSp>
+          <p:nvCxnSpPr>
+            <p:cNvPr id="13" name="직선 연결선 12"/>
+            <p:cNvCxnSpPr/>
+            <p:nvPr/>
+          </p:nvCxnSpPr>
+          <p:spPr>
+            <a:xfrm>
+              <a:off x="3349672" y="1635433"/>
+              <a:ext cx="2448272" cy="0"/>
+            </a:xfrm>
+            <a:prstGeom prst="line">
+              <a:avLst/>
+            </a:prstGeom>
+            <a:ln w="25400">
+              <a:solidFill>
+                <a:schemeClr val="tx1">
+                  <a:lumMod val="65000"/>
+                  <a:lumOff val="35000"/>
+                </a:schemeClr>
+              </a:solidFill>
+            </a:ln>
+            <a:scene3d>
+              <a:camera prst="perspectiveFront"/>
+              <a:lightRig rig="threePt" dir="t"/>
+            </a:scene3d>
+          </p:spPr>
+          <p:style>
+            <a:lnRef idx="1">
+              <a:schemeClr val="accent1"/>
+            </a:lnRef>
+            <a:fillRef idx="0">
+              <a:schemeClr val="accent1"/>
+            </a:fillRef>
+            <a:effectRef idx="0">
+              <a:schemeClr val="accent1"/>
+            </a:effectRef>
+            <a:fontRef idx="minor">
+              <a:schemeClr val="tx1"/>
+            </a:fontRef>
+          </p:style>
+        </p:cxnSp>
+        <p:sp>
+          <p:nvSpPr>
+            <p:cNvPr id="14" name="TextBox 13"/>
+            <p:cNvSpPr txBox="1"/>
+            <p:nvPr/>
+          </p:nvSpPr>
+          <p:spPr>
+            <a:xfrm>
+              <a:off x="3487354" y="364280"/>
+              <a:ext cx="2160240" cy="1067200"/>
+            </a:xfrm>
+            <a:prstGeom prst="rect">
+              <a:avLst/>
+            </a:prstGeom>
+            <a:noFill/>
+          </p:spPr>
+          <p:txBody>
+            <a:bodyPr wrap="square" rtlCol="0">
+              <a:spAutoFit/>
+              <a:scene3d>
+                <a:camera prst="perspectiveFront"/>
+                <a:lightRig rig="threePt" dir="t"/>
+              </a:scene3d>
+            </a:bodyPr>
+            <a:lstStyle/>
+            <a:p>
+              <a:pPr algn="ctr"/>
+              <a:r>
+                <a:rPr lang="en-US" altLang="ko-KR" sz="3600" dirty="0">
+                  <a:solidFill>
+                    <a:schemeClr val="bg1"/>
+                  </a:solidFill>
+                  <a:latin typeface="+mj-lt"/>
+                </a:rPr>
+                <a:t>Implementation</a:t>
+              </a:r>
+              <a:r>
+                <a:rPr lang="en-US" altLang="ko-KR" sz="2000" dirty="0">
+                  <a:solidFill>
+                    <a:schemeClr val="bg1"/>
+                  </a:solidFill>
+                  <a:latin typeface="+mj-lt"/>
+                </a:rPr>
+                <a:t>(</a:t>
+              </a:r>
+              <a:r>
+                <a:rPr lang="en-US" altLang="ko-KR" sz="2000" dirty="0" err="1">
+                  <a:solidFill>
+                    <a:schemeClr val="bg1"/>
+                  </a:solidFill>
+                  <a:latin typeface="+mj-lt"/>
+                </a:rPr>
+                <a:t>ViewController</a:t>
+              </a:r>
+              <a:r>
+                <a:rPr lang="en-US" altLang="ko-KR" sz="2000" dirty="0">
+                  <a:solidFill>
+                    <a:schemeClr val="bg1"/>
+                  </a:solidFill>
+                  <a:latin typeface="+mj-lt"/>
+                </a:rPr>
+                <a:t> Class)</a:t>
+              </a:r>
+              <a:endParaRPr lang="ko-KR" altLang="en-US" sz="3600" dirty="0">
+                <a:solidFill>
+                  <a:schemeClr val="bg1"/>
+                </a:solidFill>
+                <a:latin typeface="+mj-lt"/>
+              </a:endParaRPr>
+            </a:p>
+          </p:txBody>
+        </p:sp>
+      </p:grpSp>
+      <p:pic>
+        <p:nvPicPr>
+          <p:cNvPr id="4" name="그림 3">
+            <a:extLst>
+              <a:ext uri="{FF2B5EF4-FFF2-40B4-BE49-F238E27FC236}">
+                <a16:creationId xmlns:a16="http://schemas.microsoft.com/office/drawing/2014/main" id="{73F32905-41E2-4356-A674-DB876329E7E9}"/>
+              </a:ext>
+            </a:extLst>
+          </p:cNvPr>
+          <p:cNvPicPr>
+            <a:picLocks noChangeAspect="1"/>
+          </p:cNvPicPr>
+          <p:nvPr/>
+        </p:nvPicPr>
+        <p:blipFill>
+          <a:blip r:embed="rId4"/>
+          <a:stretch>
+            <a:fillRect/>
+          </a:stretch>
+        </p:blipFill>
+        <p:spPr>
+          <a:xfrm>
+            <a:off x="3203848" y="1556792"/>
+            <a:ext cx="5572125" cy="2552700"/>
+          </a:xfrm>
+          <a:prstGeom prst="rect">
+            <a:avLst/>
+          </a:prstGeom>
+        </p:spPr>
+      </p:pic>
+      <p:pic>
+        <p:nvPicPr>
+          <p:cNvPr id="5" name="그림 4">
+            <a:extLst>
+              <a:ext uri="{FF2B5EF4-FFF2-40B4-BE49-F238E27FC236}">
+                <a16:creationId xmlns:a16="http://schemas.microsoft.com/office/drawing/2014/main" id="{CA28825F-E26B-4B1A-B286-858447BB932A}"/>
+              </a:ext>
+            </a:extLst>
+          </p:cNvPr>
+          <p:cNvPicPr>
+            <a:picLocks noChangeAspect="1"/>
+          </p:cNvPicPr>
+          <p:nvPr/>
+        </p:nvPicPr>
+        <p:blipFill>
+          <a:blip r:embed="rId5"/>
+          <a:stretch>
+            <a:fillRect/>
+          </a:stretch>
+        </p:blipFill>
+        <p:spPr>
+          <a:xfrm>
+            <a:off x="230231" y="1556792"/>
+            <a:ext cx="2733074" cy="1796642"/>
+          </a:xfrm>
+          <a:prstGeom prst="rect">
+            <a:avLst/>
+          </a:prstGeom>
+        </p:spPr>
+      </p:pic>
+      <p:sp>
+        <p:nvSpPr>
+          <p:cNvPr id="6" name="TextBox 5">
+            <a:extLst>
+              <a:ext uri="{FF2B5EF4-FFF2-40B4-BE49-F238E27FC236}">
+                <a16:creationId xmlns:a16="http://schemas.microsoft.com/office/drawing/2014/main" id="{A3C79807-E2D8-4370-9174-7B6D0A523168}"/>
+              </a:ext>
+            </a:extLst>
+          </p:cNvPr>
+          <p:cNvSpPr txBox="1"/>
+          <p:nvPr/>
+        </p:nvSpPr>
+        <p:spPr>
+          <a:xfrm>
+            <a:off x="107504" y="4800796"/>
+            <a:ext cx="9144000" cy="984885"/>
+          </a:xfrm>
+          <a:prstGeom prst="rect">
+            <a:avLst/>
+          </a:prstGeom>
+          <a:noFill/>
+        </p:spPr>
+        <p:txBody>
+          <a:bodyPr wrap="square" rtlCol="0">
+            <a:spAutoFit/>
+          </a:bodyPr>
+          <a:lstStyle/>
+          <a:p>
+            <a:pPr algn="ctr"/>
+            <a:r>
+              <a:rPr lang="en-US" altLang="ko-KR" sz="2000" dirty="0">
+                <a:solidFill>
+                  <a:schemeClr val="bg1"/>
+                </a:solidFill>
+              </a:rPr>
+              <a:t>Program Flow : </a:t>
+            </a:r>
+          </a:p>
+          <a:p>
+            <a:pPr algn="ctr"/>
+            <a:endParaRPr lang="en-US" altLang="ko-KR" sz="2000" dirty="0">
+              <a:solidFill>
+                <a:schemeClr val="bg1"/>
+              </a:solidFill>
+            </a:endParaRPr>
+          </a:p>
+          <a:p>
+            <a:r>
+              <a:rPr lang="en-US" altLang="ko-KR" dirty="0" err="1">
+                <a:solidFill>
+                  <a:schemeClr val="bg1"/>
+                </a:solidFill>
+              </a:rPr>
+              <a:t>ExcelRead</a:t>
+            </a:r>
+            <a:r>
+              <a:rPr lang="en-US" altLang="ko-KR" dirty="0">
+                <a:solidFill>
+                  <a:schemeClr val="bg1"/>
+                </a:solidFill>
+              </a:rPr>
+              <a:t>(Data Input) </a:t>
+            </a:r>
+            <a:r>
+              <a:rPr lang="en-US" altLang="ko-KR" dirty="0">
+                <a:solidFill>
+                  <a:schemeClr val="bg1"/>
+                </a:solidFill>
+                <a:sym typeface="Wingdings" panose="05000000000000000000" pitchFamily="2" charset="2"/>
+              </a:rPr>
+              <a:t> </a:t>
+            </a:r>
+            <a:r>
+              <a:rPr lang="en-US" altLang="ko-KR" dirty="0" err="1">
+                <a:solidFill>
+                  <a:schemeClr val="bg1"/>
+                </a:solidFill>
+                <a:sym typeface="Wingdings" panose="05000000000000000000" pitchFamily="2" charset="2"/>
+              </a:rPr>
+              <a:t>ParadeInfo</a:t>
+            </a:r>
+            <a:r>
+              <a:rPr lang="en-US" altLang="ko-KR" dirty="0">
+                <a:solidFill>
+                  <a:schemeClr val="bg1"/>
+                </a:solidFill>
+                <a:sym typeface="Wingdings" panose="05000000000000000000" pitchFamily="2" charset="2"/>
+              </a:rPr>
+              <a:t>(Data Store)  </a:t>
+            </a:r>
+            <a:r>
+              <a:rPr lang="en-US" altLang="ko-KR" dirty="0" err="1">
+                <a:solidFill>
+                  <a:schemeClr val="bg1"/>
+                </a:solidFill>
+                <a:sym typeface="Wingdings" panose="05000000000000000000" pitchFamily="2" charset="2"/>
+              </a:rPr>
+              <a:t>ViewController</a:t>
+            </a:r>
+            <a:r>
+              <a:rPr lang="en-US" altLang="ko-KR" dirty="0">
+                <a:solidFill>
+                  <a:schemeClr val="bg1"/>
+                </a:solidFill>
+                <a:sym typeface="Wingdings" panose="05000000000000000000" pitchFamily="2" charset="2"/>
+              </a:rPr>
+              <a:t>(Data Calculation)</a:t>
+            </a:r>
+            <a:endParaRPr lang="ko-KR" altLang="en-US" dirty="0">
+              <a:solidFill>
+                <a:schemeClr val="bg1"/>
+              </a:solidFill>
+            </a:endParaRPr>
+          </a:p>
+        </p:txBody>
+      </p:sp>
+    </p:spTree>
+    <p:extLst>
+      <p:ext uri="{BB962C8B-B14F-4D97-AF65-F5344CB8AC3E}">
+        <p14:creationId xmlns:p14="http://schemas.microsoft.com/office/powerpoint/2010/main" val="3190666444"/>
+      </p:ext>
+    </p:extLst>
+  </p:cSld>
+  <p:clrMapOvr>
+    <a:masterClrMapping/>
+  </p:clrMapOvr>
+</p:sld>
+</file>
+
+<file path=ppt/slides/slide6.xml><?xml version="1.0" encoding="utf-8"?>
+<p:sld xmlns:a="http://schemas.openxmlformats.org/drawingml/2006/main" xmlns:r="http://schemas.openxmlformats.org/officeDocument/2006/relationships" xmlns:p="http://schemas.openxmlformats.org/presentationml/2006/main">
+  <p:cSld>
+    <p:spTree>
+      <p:nvGrpSpPr>
+        <p:cNvPr id="1" name=""/>
+        <p:cNvGrpSpPr/>
+        <p:nvPr/>
+      </p:nvGrpSpPr>
+      <p:grpSpPr>
+        <a:xfrm>
+          <a:off x="0" y="0"/>
+          <a:ext cx="0" cy="0"/>
+          <a:chOff x="0" y="0"/>
+          <a:chExt cx="0" cy="0"/>
+        </a:xfrm>
+      </p:grpSpPr>
+      <p:pic>
+        <p:nvPicPr>
+          <p:cNvPr id="12" name="Picture 2"/>
+          <p:cNvPicPr>
+            <a:picLocks noChangeAspect="1" noChangeArrowheads="1"/>
+          </p:cNvPicPr>
+          <p:nvPr/>
+        </p:nvPicPr>
+        <p:blipFill>
+          <a:blip r:embed="rId3" cstate="print"/>
+          <a:srcRect/>
+          <a:stretch>
+            <a:fillRect/>
+          </a:stretch>
+        </p:blipFill>
+        <p:spPr bwMode="auto">
+          <a:xfrm>
+            <a:off x="-36512" y="-45374"/>
+            <a:ext cx="9180512" cy="6930758"/>
+          </a:xfrm>
+          <a:prstGeom prst="rect">
+            <a:avLst/>
+          </a:prstGeom>
+          <a:solidFill>
+            <a:schemeClr val="bg1"/>
+          </a:solidFill>
+          <a:ln w="9525">
+            <a:noFill/>
+            <a:miter lim="800000"/>
+            <a:headEnd/>
+            <a:tailEnd/>
+          </a:ln>
+        </p:spPr>
+      </p:pic>
+      <p:pic>
+        <p:nvPicPr>
+          <p:cNvPr id="8" name="Picture 2"/>
+          <p:cNvPicPr>
+            <a:picLocks noChangeAspect="1" noChangeArrowheads="1"/>
+          </p:cNvPicPr>
+          <p:nvPr/>
+        </p:nvPicPr>
+        <p:blipFill>
+          <a:blip r:embed="rId3" cstate="print"/>
+          <a:srcRect/>
+          <a:stretch>
+            <a:fillRect/>
+          </a:stretch>
+        </p:blipFill>
+        <p:spPr bwMode="auto">
+          <a:xfrm>
+            <a:off x="-5210" y="0"/>
+            <a:ext cx="9144000" cy="6930758"/>
+          </a:xfrm>
+          <a:prstGeom prst="rect">
+            <a:avLst/>
+          </a:prstGeom>
+          <a:noFill/>
+          <a:ln w="9525">
+            <a:noFill/>
+            <a:miter lim="800000"/>
+            <a:headEnd/>
+            <a:tailEnd/>
+          </a:ln>
+        </p:spPr>
+      </p:pic>
+      <p:grpSp>
+        <p:nvGrpSpPr>
+          <p:cNvPr id="2" name="그룹 1"/>
+          <p:cNvGrpSpPr/>
+          <p:nvPr/>
+        </p:nvGrpSpPr>
+        <p:grpSpPr>
+          <a:xfrm>
             <a:off x="844816" y="260648"/>
             <a:ext cx="7417853" cy="792088"/>
             <a:chOff x="3280703" y="327565"/>
@@ -5832,38 +8415,6 @@
                   <a:schemeClr val="bg1"/>
                 </a:solidFill>
               </a:rPr>
-              <a:t>private</a:t>
-            </a:r>
-            <a:r>
-              <a:rPr lang="ko-KR" altLang="en-US" dirty="0">
-                <a:solidFill>
-                  <a:schemeClr val="bg1"/>
-                </a:solidFill>
-              </a:rPr>
-              <a:t> </a:t>
-            </a:r>
-            <a:r>
-              <a:rPr lang="ko-KR" altLang="en-US" dirty="0" err="1">
-                <a:solidFill>
-                  <a:schemeClr val="bg1"/>
-                </a:solidFill>
-              </a:rPr>
-              <a:t>static</a:t>
-            </a:r>
-            <a:r>
-              <a:rPr lang="ko-KR" altLang="en-US" dirty="0">
-                <a:solidFill>
-                  <a:schemeClr val="bg1"/>
-                </a:solidFill>
-              </a:rPr>
-              <a:t> </a:t>
-            </a:r>
-            <a:r>
-              <a:rPr lang="ko-KR" altLang="en-US" dirty="0" err="1">
-                <a:solidFill>
-                  <a:schemeClr val="bg1"/>
-                </a:solidFill>
-              </a:rPr>
               <a:t>Map</a:t>
             </a:r>
             <a:r>
@@ -6208,7 +8759,7 @@
 </p:sld>
 </file>
 
-<file path=ppt/slides/slide5.xml><?xml version="1.0" encoding="utf-8"?>
+<file path=ppt/slides/slide7.xml><?xml version="1.0" encoding="utf-8"?>
 <p:sld xmlns:a="http://schemas.openxmlformats.org/drawingml/2006/main" xmlns:r="http://schemas.openxmlformats.org/officeDocument/2006/relationships" xmlns:p="http://schemas.openxmlformats.org/presentationml/2006/main">
   <p:cSld>
     <p:spTree>
@@ -6573,7 +9124,7 @@
 </p:sld>
 </file>
 
-<file path=ppt/slides/slide6.xml><?xml version="1.0" encoding="utf-8"?>
+<file path=ppt/slides/slide8.xml><?xml version="1.0" encoding="utf-8"?>
 <p:sld xmlns:a="http://schemas.openxmlformats.org/drawingml/2006/main" xmlns:r="http://schemas.openxmlformats.org/officeDocument/2006/relationships" xmlns:p="http://schemas.openxmlformats.org/presentationml/2006/main">
   <p:cSld>
     <p:bg>
